--- a/hercules2025_C_photon_transport.pptx
+++ b/hercules2025_C_photon_transport.pptx
@@ -246,7 +246,7 @@
             <a:fld id="{D680E798-53FF-4C51-A981-953463752515}" type="datetimeFigureOut">
               <a:rPr lang="fr-FR" smtClean="0"/>
               <a:pPr/>
-              <a:t>20/03/2024</a:t>
+              <a:t>11/03/2025</a:t>
             </a:fld>
             <a:endParaRPr lang="fr-FR"/>
           </a:p>
@@ -696,10 +696,9 @@
           <a:lstStyle/>
           <a:p>
             <a:r>
-              <a:rPr lang="en-US" noProof="0" smtClean="0"/>
+              <a:rPr lang="en-US" noProof="0"/>
               <a:t>26/07/2013</a:t>
             </a:r>
-            <a:endParaRPr lang="en-US" noProof="0"/>
           </a:p>
         </p:txBody>
       </p:sp>
@@ -763,8 +762,8 @@
           </a:lstStyle>
           <a:p>
             <a:r>
-              <a:rPr lang="en-US" noProof="0" smtClean="0"/>
-              <a:t>OASYS-Photon transport | HERCULES2024</a:t>
+              <a:rPr lang="en-US" noProof="0"/>
+              <a:t>OASYS-Photon transport | HERCULES2025</a:t>
             </a:r>
             <a:endParaRPr lang="en-US" noProof="0" dirty="0"/>
           </a:p>
@@ -1042,10 +1041,9 @@
           <a:lstStyle/>
           <a:p>
             <a:r>
-              <a:rPr lang="en-US" noProof="0" smtClean="0"/>
+              <a:rPr lang="en-US" noProof="0"/>
               <a:t>26/07/2013</a:t>
             </a:r>
-            <a:endParaRPr lang="en-US" noProof="0"/>
           </a:p>
         </p:txBody>
       </p:sp>
@@ -1093,10 +1091,9 @@
           <a:lstStyle/>
           <a:p>
             <a:r>
-              <a:rPr lang="en-US" noProof="0" smtClean="0"/>
-              <a:t>OASYS-Photon transport | HERCULES2024</a:t>
+              <a:rPr lang="en-US" noProof="0"/>
+              <a:t>OASYS-Photon transport | HERCULES2025</a:t>
             </a:r>
-            <a:endParaRPr lang="en-US" noProof="0"/>
           </a:p>
         </p:txBody>
       </p:sp>
@@ -1231,10 +1228,9 @@
           <a:lstStyle/>
           <a:p>
             <a:r>
-              <a:rPr lang="en-US" noProof="0" smtClean="0"/>
+              <a:rPr lang="en-US" noProof="0"/>
               <a:t>26/07/2013</a:t>
             </a:r>
-            <a:endParaRPr lang="en-US" noProof="0"/>
           </a:p>
         </p:txBody>
       </p:sp>
@@ -1282,10 +1278,9 @@
           <a:lstStyle/>
           <a:p>
             <a:r>
-              <a:rPr lang="en-US" noProof="0" smtClean="0"/>
-              <a:t>OASYS-Photon transport | HERCULES2024</a:t>
+              <a:rPr lang="en-US" noProof="0"/>
+              <a:t>OASYS-Photon transport | HERCULES2025</a:t>
             </a:r>
-            <a:endParaRPr lang="en-US" noProof="0"/>
           </a:p>
         </p:txBody>
       </p:sp>
@@ -1352,10 +1347,9 @@
           <a:lstStyle/>
           <a:p>
             <a:r>
-              <a:rPr lang="en-US" noProof="0" smtClean="0"/>
+              <a:rPr lang="en-US" noProof="0"/>
               <a:t>26/07/2013</a:t>
             </a:r>
-            <a:endParaRPr lang="en-US" noProof="0"/>
           </a:p>
         </p:txBody>
       </p:sp>
@@ -1403,10 +1397,9 @@
           <a:lstStyle/>
           <a:p>
             <a:r>
-              <a:rPr lang="en-US" noProof="0" smtClean="0"/>
-              <a:t>OASYS-Photon transport | HERCULES2024</a:t>
+              <a:rPr lang="en-US" noProof="0"/>
+              <a:t>OASYS-Photon transport | HERCULES2025</a:t>
             </a:r>
-            <a:endParaRPr lang="en-US" noProof="0"/>
           </a:p>
         </p:txBody>
       </p:sp>
@@ -1596,7 +1589,7 @@
           </a:lstStyle>
           <a:p>
             <a:r>
-              <a:rPr lang="en-US" smtClean="0"/>
+              <a:rPr lang="en-US"/>
               <a:t>26/07/2013</a:t>
             </a:r>
             <a:endParaRPr lang="fr-FR" dirty="0"/>
@@ -1637,8 +1630,8 @@
           </a:lstStyle>
           <a:p>
             <a:r>
-              <a:rPr lang="en-US" smtClean="0"/>
-              <a:t>OASYS-Photon transport | HERCULES2024</a:t>
+              <a:rPr lang="en-US"/>
+              <a:t>OASYS-Photon transport | HERCULES2025</a:t>
             </a:r>
             <a:endParaRPr lang="fr-FR" dirty="0"/>
           </a:p>
@@ -2133,10 +2126,9 @@
           <a:lstStyle/>
           <a:p>
             <a:r>
-              <a:rPr lang="en-US" noProof="0" smtClean="0"/>
-              <a:t>OASYS-Photon transport | HERCULES2024</a:t>
+              <a:rPr lang="en-US" noProof="0"/>
+              <a:t>OASYS-Photon transport | HERCULES2025</a:t>
             </a:r>
-            <a:endParaRPr lang="en-US" noProof="0"/>
           </a:p>
         </p:txBody>
       </p:sp>
@@ -4704,8 +4696,8 @@
           <a:lstStyle/>
           <a:p>
             <a:r>
-              <a:rPr lang="en-US" noProof="0" smtClean="0"/>
-              <a:t>OASYS-Photon transport | HERCULES2024</a:t>
+              <a:rPr lang="en-US" noProof="0"/>
+              <a:t>OASYS-Photon transport | HERCULES2025</a:t>
             </a:r>
             <a:endParaRPr lang="en-US" noProof="0" dirty="0"/>
           </a:p>
@@ -5004,8 +4996,8 @@
           <a:lstStyle/>
           <a:p>
             <a:r>
-              <a:rPr lang="en-US" noProof="0" smtClean="0"/>
-              <a:t>OASYS-Photon transport | HERCULES2024</a:t>
+              <a:rPr lang="en-US" noProof="0"/>
+              <a:t>OASYS-Photon transport | HERCULES2025</a:t>
             </a:r>
             <a:endParaRPr lang="en-US" noProof="0" dirty="0"/>
           </a:p>
@@ -5218,8 +5210,8 @@
           <a:lstStyle/>
           <a:p>
             <a:r>
-              <a:rPr lang="en-US" noProof="0" smtClean="0"/>
-              <a:t>OASYS-Photon transport | HERCULES2024</a:t>
+              <a:rPr lang="en-US" noProof="0"/>
+              <a:t>OASYS-Photon transport | HERCULES2025</a:t>
             </a:r>
             <a:endParaRPr lang="en-US" noProof="0" dirty="0"/>
           </a:p>
@@ -5343,7 +5335,7 @@
           <a:graphicData uri="http://schemas.openxmlformats.org/presentationml/2006/ole">
             <mc:AlternateContent xmlns:mc="http://schemas.openxmlformats.org/markup-compatibility/2006">
               <mc:Choice xmlns:v="urn:schemas-microsoft-com:vml" Requires="v">
-                <p:oleObj spid="_x0000_s1080" name="Equation" r:id="rId4" imgW="1332921" imgH="444307" progId="">
+                <p:oleObj spid="_x0000_s1089" name="Equation" r:id="rId4" imgW="1332921" imgH="444307" progId="">
                   <p:embed/>
                 </p:oleObj>
               </mc:Choice>
@@ -5450,7 +5442,7 @@
           <a:graphicData uri="http://schemas.openxmlformats.org/presentationml/2006/ole">
             <mc:AlternateContent xmlns:mc="http://schemas.openxmlformats.org/markup-compatibility/2006">
               <mc:Choice xmlns:v="urn:schemas-microsoft-com:vml" Requires="v">
-                <p:oleObj spid="_x0000_s1081" name="Equation" r:id="rId6" imgW="1574800" imgH="444500" progId="">
+                <p:oleObj spid="_x0000_s1090" name="Equation" r:id="rId6" imgW="1574800" imgH="444500" progId="">
                   <p:embed/>
                 </p:oleObj>
               </mc:Choice>
@@ -5557,7 +5549,7 @@
           <a:graphicData uri="http://schemas.openxmlformats.org/presentationml/2006/ole">
             <mc:AlternateContent xmlns:mc="http://schemas.openxmlformats.org/markup-compatibility/2006">
               <mc:Choice xmlns:v="urn:schemas-microsoft-com:vml" Requires="v">
-                <p:oleObj spid="_x0000_s1082" name="Equation" r:id="rId8" imgW="1244600" imgH="393700" progId="">
+                <p:oleObj spid="_x0000_s1091" name="Equation" r:id="rId8" imgW="1244600" imgH="393700" progId="">
                   <p:embed/>
                 </p:oleObj>
               </mc:Choice>
@@ -6027,20 +6019,16 @@
           <a:p>
             <a:pPr algn="ctr"/>
             <a:r>
-              <a:rPr lang="en-US" sz="1167" dirty="0"/>
-              <a:t>March </a:t>
+              <a:rPr lang="en-US" sz="1167"/>
+              <a:t>March 21</a:t>
             </a:r>
             <a:r>
-              <a:rPr lang="en-US" sz="1167" dirty="0" smtClean="0"/>
-              <a:t>22</a:t>
+              <a:rPr lang="en-US" sz="1167" baseline="30000"/>
+              <a:t>st</a:t>
             </a:r>
             <a:r>
-              <a:rPr lang="en-US" sz="1167" baseline="30000" dirty="0" smtClean="0"/>
-              <a:t>nd</a:t>
-            </a:r>
-            <a:r>
-              <a:rPr lang="en-US" sz="1167" dirty="0" smtClean="0"/>
-              <a:t> 2024</a:t>
+              <a:rPr lang="en-US" sz="1167"/>
+              <a:t> 2025</a:t>
             </a:r>
             <a:endParaRPr lang="en-US" sz="1167" dirty="0"/>
           </a:p>
@@ -6126,8 +6114,8 @@
           <a:lstStyle/>
           <a:p>
             <a:r>
-              <a:rPr lang="en-GB" sz="833" dirty="0" smtClean="0"/>
-              <a:t>OASYS-Photon transport | HERCULES2024</a:t>
+              <a:rPr lang="en-GB" sz="833"/>
+              <a:t>OASYS-Photon transport | HERCULES2025</a:t>
             </a:r>
             <a:endParaRPr lang="fr-FR" sz="833" dirty="0"/>
           </a:p>
@@ -6246,21 +6234,8 @@
                     <a:srgbClr val="A9D0F5"/>
                   </a:solidFill>
                 </a:rPr>
-                <a:t>S</a:t>
+                <a:t>ShadowOui</a:t>
               </a:r>
-              <a:r>
-                <a:rPr lang="en-US" sz="2400" b="1" dirty="0" smtClean="0">
-                  <a:solidFill>
-                    <a:srgbClr val="A9D0F5"/>
-                  </a:solidFill>
-                </a:rPr>
-                <a:t>hadowOui</a:t>
-              </a:r>
-              <a:endParaRPr lang="en-US" sz="2400" b="1" dirty="0">
-                <a:solidFill>
-                  <a:srgbClr val="A9D0F5"/>
-                </a:solidFill>
-              </a:endParaRPr>
             </a:p>
           </p:txBody>
         </p:sp>
@@ -6440,10 +6415,9 @@
           <a:lstStyle/>
           <a:p>
             <a:r>
-              <a:rPr lang="en-US" noProof="0" smtClean="0"/>
-              <a:t>OASYS-Photon transport | HERCULES2024</a:t>
+              <a:rPr lang="en-US" noProof="0"/>
+              <a:t>OASYS-Photon transport | HERCULES2025</a:t>
             </a:r>
-            <a:endParaRPr lang="en-US" noProof="0"/>
           </a:p>
         </p:txBody>
       </p:sp>
@@ -6689,21 +6663,8 @@
                     <a:srgbClr val="A3C8EC"/>
                   </a:solidFill>
                 </a:rPr>
-                <a:t>S</a:t>
+                <a:t>ShadowOui</a:t>
               </a:r>
-              <a:r>
-                <a:rPr lang="en-US" sz="2400" b="1" dirty="0" smtClean="0">
-                  <a:solidFill>
-                    <a:srgbClr val="A3C8EC"/>
-                  </a:solidFill>
-                </a:rPr>
-                <a:t>hadowOui</a:t>
-              </a:r>
-              <a:endParaRPr lang="en-US" sz="2400" b="1" dirty="0">
-                <a:solidFill>
-                  <a:srgbClr val="A3C8EC"/>
-                </a:solidFill>
-              </a:endParaRPr>
             </a:p>
           </p:txBody>
         </p:sp>
@@ -6891,8 +6852,8 @@
           <a:lstStyle/>
           <a:p>
             <a:r>
-              <a:rPr lang="en-US" noProof="0" smtClean="0"/>
-              <a:t>OASYS-Photon transport | HERCULES2024</a:t>
+              <a:rPr lang="en-US" noProof="0"/>
+              <a:t>OASYS-Photon transport | HERCULES2025</a:t>
             </a:r>
             <a:endParaRPr lang="en-US" noProof="0" dirty="0"/>
           </a:p>
@@ -7917,7 +7878,7 @@
             <a:graphicData uri="http://schemas.openxmlformats.org/presentationml/2006/ole">
               <mc:AlternateContent xmlns:mc="http://schemas.openxmlformats.org/markup-compatibility/2006">
                 <mc:Choice xmlns:v="urn:schemas-microsoft-com:vml" Requires="v">
-                  <p:oleObj spid="_x0000_s2066" name="Equation" r:id="rId4" imgW="152280" imgH="139680" progId="Equation.DSMT4">
+                  <p:oleObj spid="_x0000_s2072" name="Equation" r:id="rId4" imgW="152280" imgH="139680" progId="Equation.DSMT4">
                     <p:embed/>
                   </p:oleObj>
                 </mc:Choice>
@@ -10548,7 +10509,7 @@
             <a:graphicData uri="http://schemas.openxmlformats.org/presentationml/2006/ole">
               <mc:AlternateContent xmlns:mc="http://schemas.openxmlformats.org/markup-compatibility/2006">
                 <mc:Choice xmlns:v="urn:schemas-microsoft-com:vml" Requires="v">
-                  <p:oleObj spid="_x0000_s2067" name="Equation" r:id="rId6" imgW="152280" imgH="228600" progId="Equation.DSMT4">
+                  <p:oleObj spid="_x0000_s2073" name="Equation" r:id="rId6" imgW="152280" imgH="228600" progId="Equation.DSMT4">
                     <p:embed/>
                   </p:oleObj>
                 </mc:Choice>
@@ -13355,8 +13316,8 @@
           <a:lstStyle/>
           <a:p>
             <a:r>
-              <a:rPr lang="en-US" noProof="0" smtClean="0"/>
-              <a:t>OASYS-Photon transport | HERCULES2024</a:t>
+              <a:rPr lang="en-US" noProof="0"/>
+              <a:t>OASYS-Photon transport | HERCULES2025</a:t>
             </a:r>
             <a:endParaRPr lang="en-US" noProof="0" dirty="0"/>
           </a:p>
@@ -14615,10 +14576,9 @@
           <a:lstStyle/>
           <a:p>
             <a:r>
-              <a:rPr lang="en-US" noProof="0" smtClean="0"/>
-              <a:t>OASYS-Photon transport | HERCULES2024</a:t>
+              <a:rPr lang="en-US" noProof="0"/>
+              <a:t>OASYS-Photon transport | HERCULES2025</a:t>
             </a:r>
-            <a:endParaRPr lang="en-US" noProof="0"/>
           </a:p>
         </p:txBody>
       </p:sp>
@@ -17496,10 +17456,9 @@
           <a:lstStyle/>
           <a:p>
             <a:r>
-              <a:rPr lang="en-US" noProof="0" smtClean="0"/>
-              <a:t>OASYS-Photon transport | HERCULES2024</a:t>
+              <a:rPr lang="en-US" noProof="0"/>
+              <a:t>OASYS-Photon transport | HERCULES2025</a:t>
             </a:r>
-            <a:endParaRPr lang="en-US" noProof="0"/>
           </a:p>
         </p:txBody>
       </p:sp>
@@ -17832,10 +17791,9 @@
           <a:lstStyle/>
           <a:p>
             <a:r>
-              <a:rPr lang="en-US" noProof="0" smtClean="0"/>
-              <a:t>OASYS-Photon transport | HERCULES2024</a:t>
+              <a:rPr lang="en-US" noProof="0"/>
+              <a:t>OASYS-Photon transport | HERCULES2025</a:t>
             </a:r>
-            <a:endParaRPr lang="en-US" noProof="0"/>
           </a:p>
         </p:txBody>
       </p:sp>
@@ -18722,10 +18680,9 @@
           <a:lstStyle/>
           <a:p>
             <a:r>
-              <a:rPr lang="en-US" noProof="0" smtClean="0"/>
-              <a:t>OASYS-Photon transport | HERCULES2024</a:t>
+              <a:rPr lang="en-US" noProof="0"/>
+              <a:t>OASYS-Photon transport | HERCULES2025</a:t>
             </a:r>
-            <a:endParaRPr lang="en-US" noProof="0"/>
           </a:p>
         </p:txBody>
       </p:sp>

--- a/hercules2025_C_photon_transport.pptx
+++ b/hercules2025_C_photon_transport.pptx
@@ -5335,7 +5335,7 @@
           <a:graphicData uri="http://schemas.openxmlformats.org/presentationml/2006/ole">
             <mc:AlternateContent xmlns:mc="http://schemas.openxmlformats.org/markup-compatibility/2006">
               <mc:Choice xmlns:v="urn:schemas-microsoft-com:vml" Requires="v">
-                <p:oleObj spid="_x0000_s1089" name="Equation" r:id="rId4" imgW="1332921" imgH="444307" progId="">
+                <p:oleObj spid="_x0000_s1107" name="Equation" r:id="rId4" imgW="1332921" imgH="444307" progId="">
                   <p:embed/>
                 </p:oleObj>
               </mc:Choice>
@@ -5442,7 +5442,7 @@
           <a:graphicData uri="http://schemas.openxmlformats.org/presentationml/2006/ole">
             <mc:AlternateContent xmlns:mc="http://schemas.openxmlformats.org/markup-compatibility/2006">
               <mc:Choice xmlns:v="urn:schemas-microsoft-com:vml" Requires="v">
-                <p:oleObj spid="_x0000_s1090" name="Equation" r:id="rId6" imgW="1574800" imgH="444500" progId="">
+                <p:oleObj spid="_x0000_s1108" name="Equation" r:id="rId6" imgW="1574800" imgH="444500" progId="">
                   <p:embed/>
                 </p:oleObj>
               </mc:Choice>
@@ -5549,7 +5549,7 @@
           <a:graphicData uri="http://schemas.openxmlformats.org/presentationml/2006/ole">
             <mc:AlternateContent xmlns:mc="http://schemas.openxmlformats.org/markup-compatibility/2006">
               <mc:Choice xmlns:v="urn:schemas-microsoft-com:vml" Requires="v">
-                <p:oleObj spid="_x0000_s1091" name="Equation" r:id="rId8" imgW="1244600" imgH="393700" progId="">
+                <p:oleObj spid="_x0000_s1109" name="Equation" r:id="rId8" imgW="1244600" imgH="393700" progId="">
                   <p:embed/>
                 </p:oleObj>
               </mc:Choice>
@@ -6184,10 +6184,10 @@
       </p:pic>
       <p:grpSp>
         <p:nvGrpSpPr>
-          <p:cNvPr id="6" name="Group 5">
+          <p:cNvPr id="12" name="Group 11">
             <a:extLst>
               <a:ext uri="{FF2B5EF4-FFF2-40B4-BE49-F238E27FC236}">
-                <a16:creationId xmlns:a16="http://schemas.microsoft.com/office/drawing/2014/main" id="{34199B5D-EA60-40DA-90AC-100F34D76461}"/>
+                <a16:creationId xmlns:a16="http://schemas.microsoft.com/office/drawing/2014/main" id="{B609BBB4-164D-40DE-BEDB-D4A30B8D3C29}"/>
               </a:ext>
             </a:extLst>
           </p:cNvPr>
@@ -6196,21 +6196,57 @@
         </p:nvGrpSpPr>
         <p:grpSpPr>
           <a:xfrm>
-            <a:off x="6928050" y="2647946"/>
-            <a:ext cx="1944216" cy="2478422"/>
-            <a:chOff x="6928050" y="2647946"/>
-            <a:chExt cx="1944216" cy="2478422"/>
+            <a:off x="6948264" y="2776500"/>
+            <a:ext cx="1966392" cy="2097224"/>
+            <a:chOff x="6926088" y="2209428"/>
+            <a:chExt cx="1966392" cy="2097224"/>
           </a:xfrm>
         </p:grpSpPr>
+        <p:pic>
+          <p:nvPicPr>
+            <p:cNvPr id="13" name="Picture 12">
+              <a:extLst>
+                <a:ext uri="{FF2B5EF4-FFF2-40B4-BE49-F238E27FC236}">
+                  <a16:creationId xmlns:a16="http://schemas.microsoft.com/office/drawing/2014/main" id="{669BDB3A-7317-488A-813C-A554E56377C2}"/>
+                </a:ext>
+              </a:extLst>
+            </p:cNvPr>
+            <p:cNvPicPr>
+              <a:picLocks noChangeAspect="1"/>
+            </p:cNvPicPr>
+            <p:nvPr/>
+          </p:nvPicPr>
+          <p:blipFill>
+            <a:blip r:embed="rId4"/>
+            <a:stretch>
+              <a:fillRect/>
+            </a:stretch>
+          </p:blipFill>
+          <p:spPr>
+            <a:xfrm>
+              <a:off x="6940586" y="2209428"/>
+              <a:ext cx="1951894" cy="1394210"/>
+            </a:xfrm>
+            <a:prstGeom prst="rect">
+              <a:avLst/>
+            </a:prstGeom>
+          </p:spPr>
+        </p:pic>
         <p:sp>
           <p:nvSpPr>
-            <p:cNvPr id="9" name="TextBox 8"/>
+            <p:cNvPr id="14" name="TextBox 13">
+              <a:extLst>
+                <a:ext uri="{FF2B5EF4-FFF2-40B4-BE49-F238E27FC236}">
+                  <a16:creationId xmlns:a16="http://schemas.microsoft.com/office/drawing/2014/main" id="{B0648B08-8B7E-4FA1-A66E-DFA9BC1B388B}"/>
+                </a:ext>
+              </a:extLst>
+            </p:cNvPr>
             <p:cNvSpPr txBox="1"/>
             <p:nvPr/>
           </p:nvSpPr>
           <p:spPr>
             <a:xfrm>
-              <a:off x="6959144" y="4603007"/>
+              <a:off x="6957182" y="3793604"/>
               <a:ext cx="1882028" cy="461665"/>
             </a:xfrm>
             <a:prstGeom prst="rect">
@@ -6231,23 +6267,29 @@
               <a:r>
                 <a:rPr lang="en-US" sz="2400" b="1" dirty="0">
                   <a:solidFill>
-                    <a:srgbClr val="A9D0F5"/>
+                    <a:srgbClr val="92D050"/>
                   </a:solidFill>
                 </a:rPr>
-                <a:t>ShadowOui</a:t>
+                <a:t>SHADOW4</a:t>
               </a:r>
             </a:p>
           </p:txBody>
         </p:sp>
         <p:sp>
           <p:nvSpPr>
-            <p:cNvPr id="10" name="Rounded Rectangle 9"/>
+            <p:cNvPr id="15" name="Rounded Rectangle 9">
+              <a:extLst>
+                <a:ext uri="{FF2B5EF4-FFF2-40B4-BE49-F238E27FC236}">
+                  <a16:creationId xmlns:a16="http://schemas.microsoft.com/office/drawing/2014/main" id="{95280621-9DEA-47DC-B0CD-D022CC10B8B5}"/>
+                </a:ext>
+              </a:extLst>
+            </p:cNvPr>
             <p:cNvSpPr/>
             <p:nvPr/>
           </p:nvSpPr>
           <p:spPr>
             <a:xfrm>
-              <a:off x="6928050" y="4541312"/>
+              <a:off x="6926088" y="3721596"/>
               <a:ext cx="1944216" cy="585056"/>
             </a:xfrm>
             <a:prstGeom prst="roundRect">
@@ -6258,7 +6300,7 @@
             <a:noFill/>
             <a:ln w="57150">
               <a:solidFill>
-                <a:srgbClr val="A3C8EC"/>
+                <a:srgbClr val="92D050"/>
               </a:solidFill>
             </a:ln>
           </p:spPr>
@@ -6283,40 +6325,14 @@
             <a:lstStyle/>
             <a:p>
               <a:pPr algn="ctr"/>
-              <a:endParaRPr lang="en-US"/>
+              <a:endParaRPr lang="en-US">
+                <a:solidFill>
+                  <a:srgbClr val="92D050"/>
+                </a:solidFill>
+              </a:endParaRPr>
             </a:p>
           </p:txBody>
         </p:sp>
-        <p:pic>
-          <p:nvPicPr>
-            <p:cNvPr id="5" name="Picture 4">
-              <a:extLst>
-                <a:ext uri="{FF2B5EF4-FFF2-40B4-BE49-F238E27FC236}">
-                  <a16:creationId xmlns:a16="http://schemas.microsoft.com/office/drawing/2014/main" id="{9D360294-FAF8-4788-BC40-BE2D4C130A37}"/>
-                </a:ext>
-              </a:extLst>
-            </p:cNvPr>
-            <p:cNvPicPr>
-              <a:picLocks noChangeAspect="1"/>
-            </p:cNvPicPr>
-            <p:nvPr/>
-          </p:nvPicPr>
-          <p:blipFill>
-            <a:blip r:embed="rId4"/>
-            <a:stretch>
-              <a:fillRect/>
-            </a:stretch>
-          </p:blipFill>
-          <p:spPr>
-            <a:xfrm>
-              <a:off x="7241860" y="2647946"/>
-              <a:ext cx="1213008" cy="1780604"/>
-            </a:xfrm>
-            <a:prstGeom prst="rect">
-              <a:avLst/>
-            </a:prstGeom>
-          </p:spPr>
-        </p:pic>
       </p:grpSp>
     </p:spTree>
     <p:extLst>
@@ -6607,10 +6623,10 @@
       </p:sp>
       <p:grpSp>
         <p:nvGrpSpPr>
-          <p:cNvPr id="12" name="Group 11">
+          <p:cNvPr id="4" name="Group 3">
             <a:extLst>
               <a:ext uri="{FF2B5EF4-FFF2-40B4-BE49-F238E27FC236}">
-                <a16:creationId xmlns:a16="http://schemas.microsoft.com/office/drawing/2014/main" id="{A02535C8-C737-4870-9E8C-C66A36ED75D6}"/>
+                <a16:creationId xmlns:a16="http://schemas.microsoft.com/office/drawing/2014/main" id="{24052914-FC2A-4C82-8BB3-3F1CDD6210A9}"/>
               </a:ext>
             </a:extLst>
           </p:cNvPr>
@@ -6619,18 +6635,48 @@
         </p:nvGrpSpPr>
         <p:grpSpPr>
           <a:xfrm>
-            <a:off x="6876256" y="1801240"/>
-            <a:ext cx="1944216" cy="2478422"/>
-            <a:chOff x="6928050" y="2647946"/>
-            <a:chExt cx="1944216" cy="2478422"/>
+            <a:off x="6926088" y="2209428"/>
+            <a:ext cx="1966392" cy="2097224"/>
+            <a:chOff x="6926088" y="2209428"/>
+            <a:chExt cx="1966392" cy="2097224"/>
           </a:xfrm>
         </p:grpSpPr>
+        <p:pic>
+          <p:nvPicPr>
+            <p:cNvPr id="3" name="Picture 2">
+              <a:extLst>
+                <a:ext uri="{FF2B5EF4-FFF2-40B4-BE49-F238E27FC236}">
+                  <a16:creationId xmlns:a16="http://schemas.microsoft.com/office/drawing/2014/main" id="{A6842457-8547-49D9-B3BD-E22BF1CB6A7C}"/>
+                </a:ext>
+              </a:extLst>
+            </p:cNvPr>
+            <p:cNvPicPr>
+              <a:picLocks noChangeAspect="1"/>
+            </p:cNvPicPr>
+            <p:nvPr/>
+          </p:nvPicPr>
+          <p:blipFill>
+            <a:blip r:embed="rId2"/>
+            <a:stretch>
+              <a:fillRect/>
+            </a:stretch>
+          </p:blipFill>
+          <p:spPr>
+            <a:xfrm>
+              <a:off x="6940586" y="2209428"/>
+              <a:ext cx="1951894" cy="1394210"/>
+            </a:xfrm>
+            <a:prstGeom prst="rect">
+              <a:avLst/>
+            </a:prstGeom>
+          </p:spPr>
+        </p:pic>
         <p:sp>
           <p:nvSpPr>
-            <p:cNvPr id="13" name="TextBox 12">
+            <p:cNvPr id="10" name="TextBox 9">
               <a:extLst>
                 <a:ext uri="{FF2B5EF4-FFF2-40B4-BE49-F238E27FC236}">
-                  <a16:creationId xmlns:a16="http://schemas.microsoft.com/office/drawing/2014/main" id="{3E896503-D7F3-4E00-9429-A228D6EBB671}"/>
+                  <a16:creationId xmlns:a16="http://schemas.microsoft.com/office/drawing/2014/main" id="{DCF81CDB-AF6F-477F-9876-A89B1E47CBD9}"/>
                 </a:ext>
               </a:extLst>
             </p:cNvPr>
@@ -6639,7 +6685,7 @@
           </p:nvSpPr>
           <p:spPr>
             <a:xfrm>
-              <a:off x="6959144" y="4603007"/>
+              <a:off x="6957182" y="3793604"/>
               <a:ext cx="1882028" cy="461665"/>
             </a:xfrm>
             <a:prstGeom prst="rect">
@@ -6660,20 +6706,20 @@
               <a:r>
                 <a:rPr lang="en-US" sz="2400" b="1" dirty="0">
                   <a:solidFill>
-                    <a:srgbClr val="A3C8EC"/>
+                    <a:srgbClr val="92D050"/>
                   </a:solidFill>
                 </a:rPr>
-                <a:t>ShadowOui</a:t>
+                <a:t>SHADOW4</a:t>
               </a:r>
             </a:p>
           </p:txBody>
         </p:sp>
         <p:sp>
           <p:nvSpPr>
-            <p:cNvPr id="14" name="Rounded Rectangle 9">
+            <p:cNvPr id="11" name="Rounded Rectangle 9">
               <a:extLst>
                 <a:ext uri="{FF2B5EF4-FFF2-40B4-BE49-F238E27FC236}">
-                  <a16:creationId xmlns:a16="http://schemas.microsoft.com/office/drawing/2014/main" id="{2A849122-0563-4746-BEF5-1E20E3B9C891}"/>
+                  <a16:creationId xmlns:a16="http://schemas.microsoft.com/office/drawing/2014/main" id="{F6EE12D1-C09E-4180-A5B7-847695421ED4}"/>
                 </a:ext>
               </a:extLst>
             </p:cNvPr>
@@ -6682,7 +6728,7 @@
           </p:nvSpPr>
           <p:spPr>
             <a:xfrm>
-              <a:off x="6928050" y="4541312"/>
+              <a:off x="6926088" y="3721596"/>
               <a:ext cx="1944216" cy="585056"/>
             </a:xfrm>
             <a:prstGeom prst="roundRect">
@@ -6693,7 +6739,7 @@
             <a:noFill/>
             <a:ln w="57150">
               <a:solidFill>
-                <a:srgbClr val="A3C8EC"/>
+                <a:srgbClr val="92D050"/>
               </a:solidFill>
             </a:ln>
           </p:spPr>
@@ -6718,40 +6764,14 @@
             <a:lstStyle/>
             <a:p>
               <a:pPr algn="ctr"/>
-              <a:endParaRPr lang="en-US"/>
+              <a:endParaRPr lang="en-US">
+                <a:solidFill>
+                  <a:srgbClr val="92D050"/>
+                </a:solidFill>
+              </a:endParaRPr>
             </a:p>
           </p:txBody>
         </p:sp>
-        <p:pic>
-          <p:nvPicPr>
-            <p:cNvPr id="15" name="Picture 14">
-              <a:extLst>
-                <a:ext uri="{FF2B5EF4-FFF2-40B4-BE49-F238E27FC236}">
-                  <a16:creationId xmlns:a16="http://schemas.microsoft.com/office/drawing/2014/main" id="{61C03AFD-3853-4FA9-94D3-B785A355C210}"/>
-                </a:ext>
-              </a:extLst>
-            </p:cNvPr>
-            <p:cNvPicPr>
-              <a:picLocks noChangeAspect="1"/>
-            </p:cNvPicPr>
-            <p:nvPr/>
-          </p:nvPicPr>
-          <p:blipFill>
-            <a:blip r:embed="rId2"/>
-            <a:stretch>
-              <a:fillRect/>
-            </a:stretch>
-          </p:blipFill>
-          <p:spPr>
-            <a:xfrm>
-              <a:off x="7241860" y="2647946"/>
-              <a:ext cx="1213008" cy="1780604"/>
-            </a:xfrm>
-            <a:prstGeom prst="rect">
-              <a:avLst/>
-            </a:prstGeom>
-          </p:spPr>
-        </p:pic>
       </p:grpSp>
     </p:spTree>
     <p:extLst>
@@ -7878,7 +7898,7 @@
             <a:graphicData uri="http://schemas.openxmlformats.org/presentationml/2006/ole">
               <mc:AlternateContent xmlns:mc="http://schemas.openxmlformats.org/markup-compatibility/2006">
                 <mc:Choice xmlns:v="urn:schemas-microsoft-com:vml" Requires="v">
-                  <p:oleObj spid="_x0000_s2072" name="Equation" r:id="rId4" imgW="152280" imgH="139680" progId="Equation.DSMT4">
+                  <p:oleObj spid="_x0000_s2084" name="Equation" r:id="rId4" imgW="152280" imgH="139680" progId="Equation.DSMT4">
                     <p:embed/>
                   </p:oleObj>
                 </mc:Choice>
@@ -10509,7 +10529,7 @@
             <a:graphicData uri="http://schemas.openxmlformats.org/presentationml/2006/ole">
               <mc:AlternateContent xmlns:mc="http://schemas.openxmlformats.org/markup-compatibility/2006">
                 <mc:Choice xmlns:v="urn:schemas-microsoft-com:vml" Requires="v">
-                  <p:oleObj spid="_x0000_s2073" name="Equation" r:id="rId6" imgW="152280" imgH="228600" progId="Equation.DSMT4">
+                  <p:oleObj spid="_x0000_s2085" name="Equation" r:id="rId6" imgW="152280" imgH="228600" progId="Equation.DSMT4">
                     <p:embed/>
                   </p:oleObj>
                 </mc:Choice>
@@ -17462,137 +17482,6 @@
           </a:p>
         </p:txBody>
       </p:sp>
-      <p:pic>
-        <p:nvPicPr>
-          <p:cNvPr id="3" name="Picture 2">
-            <a:extLst>
-              <a:ext uri="{FF2B5EF4-FFF2-40B4-BE49-F238E27FC236}">
-                <a16:creationId xmlns:a16="http://schemas.microsoft.com/office/drawing/2014/main" id="{86D4DA02-783D-4638-95AD-2FCB9F0A6249}"/>
-              </a:ext>
-            </a:extLst>
-          </p:cNvPr>
-          <p:cNvPicPr>
-            <a:picLocks noChangeAspect="1"/>
-          </p:cNvPicPr>
-          <p:nvPr/>
-        </p:nvPicPr>
-        <p:blipFill>
-          <a:blip r:embed="rId2"/>
-          <a:stretch>
-            <a:fillRect/>
-          </a:stretch>
-        </p:blipFill>
-        <p:spPr>
-          <a:xfrm>
-            <a:off x="35496" y="1744480"/>
-            <a:ext cx="5580112" cy="2572048"/>
-          </a:xfrm>
-          <a:prstGeom prst="rect">
-            <a:avLst/>
-          </a:prstGeom>
-        </p:spPr>
-      </p:pic>
-      <p:pic>
-        <p:nvPicPr>
-          <p:cNvPr id="4" name="Picture 3">
-            <a:extLst>
-              <a:ext uri="{FF2B5EF4-FFF2-40B4-BE49-F238E27FC236}">
-                <a16:creationId xmlns:a16="http://schemas.microsoft.com/office/drawing/2014/main" id="{7CEBC24E-A042-4A09-9E2E-9BBA46F91E8C}"/>
-              </a:ext>
-            </a:extLst>
-          </p:cNvPr>
-          <p:cNvPicPr>
-            <a:picLocks noChangeAspect="1"/>
-          </p:cNvPicPr>
-          <p:nvPr/>
-        </p:nvPicPr>
-        <p:blipFill>
-          <a:blip r:embed="rId3"/>
-          <a:stretch>
-            <a:fillRect/>
-          </a:stretch>
-        </p:blipFill>
-        <p:spPr>
-          <a:xfrm>
-            <a:off x="6211908" y="1744480"/>
-            <a:ext cx="2738264" cy="1770656"/>
-          </a:xfrm>
-          <a:prstGeom prst="rect">
-            <a:avLst/>
-          </a:prstGeom>
-        </p:spPr>
-      </p:pic>
-      <p:cxnSp>
-        <p:nvCxnSpPr>
-          <p:cNvPr id="8" name="Straight Arrow Connector 7">
-            <a:extLst>
-              <a:ext uri="{FF2B5EF4-FFF2-40B4-BE49-F238E27FC236}">
-                <a16:creationId xmlns:a16="http://schemas.microsoft.com/office/drawing/2014/main" id="{C4F9D419-9971-4BF6-8E7D-7CFA0D55CDD3}"/>
-              </a:ext>
-            </a:extLst>
-          </p:cNvPr>
-          <p:cNvCxnSpPr>
-            <a:cxnSpLocks/>
-          </p:cNvCxnSpPr>
-          <p:nvPr/>
-        </p:nvCxnSpPr>
-        <p:spPr>
-          <a:xfrm flipV="1">
-            <a:off x="5669868" y="2497460"/>
-            <a:ext cx="542040" cy="248813"/>
-          </a:xfrm>
-          <a:prstGeom prst="straightConnector1">
-            <a:avLst/>
-          </a:prstGeom>
-          <a:ln>
-            <a:tailEnd type="triangle"/>
-          </a:ln>
-        </p:spPr>
-        <p:style>
-          <a:lnRef idx="1">
-            <a:schemeClr val="accent1"/>
-          </a:lnRef>
-          <a:fillRef idx="0">
-            <a:schemeClr val="accent1"/>
-          </a:fillRef>
-          <a:effectRef idx="0">
-            <a:schemeClr val="accent1"/>
-          </a:effectRef>
-          <a:fontRef idx="minor">
-            <a:schemeClr val="tx1"/>
-          </a:fontRef>
-        </p:style>
-      </p:cxnSp>
-      <p:pic>
-        <p:nvPicPr>
-          <p:cNvPr id="10" name="Picture 9">
-            <a:extLst>
-              <a:ext uri="{FF2B5EF4-FFF2-40B4-BE49-F238E27FC236}">
-                <a16:creationId xmlns:a16="http://schemas.microsoft.com/office/drawing/2014/main" id="{D366FF11-8AD0-4B64-83B8-5965DB38EFB5}"/>
-              </a:ext>
-            </a:extLst>
-          </p:cNvPr>
-          <p:cNvPicPr>
-            <a:picLocks noChangeAspect="1"/>
-          </p:cNvPicPr>
-          <p:nvPr/>
-        </p:nvPicPr>
-        <p:blipFill>
-          <a:blip r:embed="rId4"/>
-          <a:stretch>
-            <a:fillRect/>
-          </a:stretch>
-        </p:blipFill>
-        <p:spPr>
-          <a:xfrm>
-            <a:off x="6300192" y="3706259"/>
-            <a:ext cx="1956878" cy="1751567"/>
-          </a:xfrm>
-          <a:prstGeom prst="rect">
-            <a:avLst/>
-          </a:prstGeom>
-        </p:spPr>
-      </p:pic>
       <p:cxnSp>
         <p:nvCxnSpPr>
           <p:cNvPr id="11" name="Straight Arrow Connector 10">
@@ -17634,6 +17523,137 @@
           </a:fontRef>
         </p:style>
       </p:cxnSp>
+      <p:pic>
+        <p:nvPicPr>
+          <p:cNvPr id="5" name="Picture 4">
+            <a:extLst>
+              <a:ext uri="{FF2B5EF4-FFF2-40B4-BE49-F238E27FC236}">
+                <a16:creationId xmlns:a16="http://schemas.microsoft.com/office/drawing/2014/main" id="{C61DF96B-5ED8-44D8-8F04-19A10960E673}"/>
+              </a:ext>
+            </a:extLst>
+          </p:cNvPr>
+          <p:cNvPicPr>
+            <a:picLocks noChangeAspect="1"/>
+          </p:cNvPicPr>
+          <p:nvPr/>
+        </p:nvPicPr>
+        <p:blipFill>
+          <a:blip r:embed="rId2"/>
+          <a:stretch>
+            <a:fillRect/>
+          </a:stretch>
+        </p:blipFill>
+        <p:spPr>
+          <a:xfrm>
+            <a:off x="-22044" y="2152127"/>
+            <a:ext cx="5637652" cy="1960324"/>
+          </a:xfrm>
+          <a:prstGeom prst="rect">
+            <a:avLst/>
+          </a:prstGeom>
+        </p:spPr>
+      </p:pic>
+      <p:cxnSp>
+        <p:nvCxnSpPr>
+          <p:cNvPr id="8" name="Straight Arrow Connector 7">
+            <a:extLst>
+              <a:ext uri="{FF2B5EF4-FFF2-40B4-BE49-F238E27FC236}">
+                <a16:creationId xmlns:a16="http://schemas.microsoft.com/office/drawing/2014/main" id="{C4F9D419-9971-4BF6-8E7D-7CFA0D55CDD3}"/>
+              </a:ext>
+            </a:extLst>
+          </p:cNvPr>
+          <p:cNvCxnSpPr>
+            <a:cxnSpLocks/>
+          </p:cNvCxnSpPr>
+          <p:nvPr/>
+        </p:nvCxnSpPr>
+        <p:spPr>
+          <a:xfrm flipV="1">
+            <a:off x="5148064" y="1675202"/>
+            <a:ext cx="648072" cy="954608"/>
+          </a:xfrm>
+          <a:prstGeom prst="straightConnector1">
+            <a:avLst/>
+          </a:prstGeom>
+          <a:ln>
+            <a:tailEnd type="triangle"/>
+          </a:ln>
+        </p:spPr>
+        <p:style>
+          <a:lnRef idx="1">
+            <a:schemeClr val="accent1"/>
+          </a:lnRef>
+          <a:fillRef idx="0">
+            <a:schemeClr val="accent1"/>
+          </a:fillRef>
+          <a:effectRef idx="0">
+            <a:schemeClr val="accent1"/>
+          </a:effectRef>
+          <a:fontRef idx="minor">
+            <a:schemeClr val="tx1"/>
+          </a:fontRef>
+        </p:style>
+      </p:cxnSp>
+      <p:pic>
+        <p:nvPicPr>
+          <p:cNvPr id="12" name="Picture 11">
+            <a:extLst>
+              <a:ext uri="{FF2B5EF4-FFF2-40B4-BE49-F238E27FC236}">
+                <a16:creationId xmlns:a16="http://schemas.microsoft.com/office/drawing/2014/main" id="{1BED7A41-46CB-4FC2-A913-1AC68F66C42D}"/>
+              </a:ext>
+            </a:extLst>
+          </p:cNvPr>
+          <p:cNvPicPr>
+            <a:picLocks noChangeAspect="1"/>
+          </p:cNvPicPr>
+          <p:nvPr/>
+        </p:nvPicPr>
+        <p:blipFill>
+          <a:blip r:embed="rId3"/>
+          <a:stretch>
+            <a:fillRect/>
+          </a:stretch>
+        </p:blipFill>
+        <p:spPr>
+          <a:xfrm>
+            <a:off x="6000996" y="848956"/>
+            <a:ext cx="2804656" cy="1652492"/>
+          </a:xfrm>
+          <a:prstGeom prst="rect">
+            <a:avLst/>
+          </a:prstGeom>
+        </p:spPr>
+      </p:pic>
+      <p:pic>
+        <p:nvPicPr>
+          <p:cNvPr id="14" name="Picture 13">
+            <a:extLst>
+              <a:ext uri="{FF2B5EF4-FFF2-40B4-BE49-F238E27FC236}">
+                <a16:creationId xmlns:a16="http://schemas.microsoft.com/office/drawing/2014/main" id="{458691A2-4637-449B-AFB4-08330B733F4C}"/>
+              </a:ext>
+            </a:extLst>
+          </p:cNvPr>
+          <p:cNvPicPr>
+            <a:picLocks noChangeAspect="1"/>
+          </p:cNvPicPr>
+          <p:nvPr/>
+        </p:nvPicPr>
+        <p:blipFill>
+          <a:blip r:embed="rId4"/>
+          <a:stretch>
+            <a:fillRect/>
+          </a:stretch>
+        </p:blipFill>
+        <p:spPr>
+          <a:xfrm>
+            <a:off x="6284741" y="3551867"/>
+            <a:ext cx="2520911" cy="1625575"/>
+          </a:xfrm>
+          <a:prstGeom prst="rect">
+            <a:avLst/>
+          </a:prstGeom>
+        </p:spPr>
+      </p:pic>
     </p:spTree>
     <p:extLst>
       <p:ext uri="{BB962C8B-B14F-4D97-AF65-F5344CB8AC3E}">
@@ -17666,10 +17686,10 @@
       </p:grpSpPr>
       <p:pic>
         <p:nvPicPr>
-          <p:cNvPr id="16" name="Picture 15">
+          <p:cNvPr id="22" name="Picture 21">
             <a:extLst>
               <a:ext uri="{FF2B5EF4-FFF2-40B4-BE49-F238E27FC236}">
-                <a16:creationId xmlns:a16="http://schemas.microsoft.com/office/drawing/2014/main" id="{46EE7B7E-4085-41E7-9DFC-0B45A2BD93ED}"/>
+                <a16:creationId xmlns:a16="http://schemas.microsoft.com/office/drawing/2014/main" id="{D8498FDC-4BBE-4A3B-9762-654D2A8A62FE}"/>
               </a:ext>
             </a:extLst>
           </p:cNvPr>
@@ -17686,8 +17706,8 @@
         </p:blipFill>
         <p:spPr>
           <a:xfrm>
-            <a:off x="4721458" y="3658786"/>
-            <a:ext cx="2106993" cy="1646986"/>
+            <a:off x="35496" y="3577580"/>
+            <a:ext cx="2201941" cy="1671678"/>
           </a:xfrm>
           <a:prstGeom prst="rect">
             <a:avLst/>
@@ -17696,10 +17716,10 @@
       </p:pic>
       <p:pic>
         <p:nvPicPr>
-          <p:cNvPr id="15" name="Picture 14">
+          <p:cNvPr id="23" name="Picture 22">
             <a:extLst>
               <a:ext uri="{FF2B5EF4-FFF2-40B4-BE49-F238E27FC236}">
-                <a16:creationId xmlns:a16="http://schemas.microsoft.com/office/drawing/2014/main" id="{C29A0DFE-7FAA-4D66-88E3-F2F5E0EF56BE}"/>
+                <a16:creationId xmlns:a16="http://schemas.microsoft.com/office/drawing/2014/main" id="{3F07CAC5-040A-4E17-AC81-9E1C58484FE2}"/>
               </a:ext>
             </a:extLst>
           </p:cNvPr>
@@ -17716,8 +17736,68 @@
         </p:blipFill>
         <p:spPr>
           <a:xfrm>
-            <a:off x="6905210" y="3618073"/>
-            <a:ext cx="2227793" cy="1764931"/>
+            <a:off x="2339752" y="3575236"/>
+            <a:ext cx="2043976" cy="1514512"/>
+          </a:xfrm>
+          <a:prstGeom prst="rect">
+            <a:avLst/>
+          </a:prstGeom>
+        </p:spPr>
+      </p:pic>
+      <p:pic>
+        <p:nvPicPr>
+          <p:cNvPr id="25" name="Picture 24">
+            <a:extLst>
+              <a:ext uri="{FF2B5EF4-FFF2-40B4-BE49-F238E27FC236}">
+                <a16:creationId xmlns:a16="http://schemas.microsoft.com/office/drawing/2014/main" id="{482931ED-09AB-4423-85A6-9D7FB86F7E1D}"/>
+              </a:ext>
+            </a:extLst>
+          </p:cNvPr>
+          <p:cNvPicPr>
+            <a:picLocks noChangeAspect="1"/>
+          </p:cNvPicPr>
+          <p:nvPr/>
+        </p:nvPicPr>
+        <p:blipFill>
+          <a:blip r:embed="rId4"/>
+          <a:stretch>
+            <a:fillRect/>
+          </a:stretch>
+        </p:blipFill>
+        <p:spPr>
+          <a:xfrm>
+            <a:off x="4788024" y="3644917"/>
+            <a:ext cx="2018132" cy="1569658"/>
+          </a:xfrm>
+          <a:prstGeom prst="rect">
+            <a:avLst/>
+          </a:prstGeom>
+        </p:spPr>
+      </p:pic>
+      <p:pic>
+        <p:nvPicPr>
+          <p:cNvPr id="28" name="Picture 27">
+            <a:extLst>
+              <a:ext uri="{FF2B5EF4-FFF2-40B4-BE49-F238E27FC236}">
+                <a16:creationId xmlns:a16="http://schemas.microsoft.com/office/drawing/2014/main" id="{0B4ECC2A-8678-4514-89BB-4F0FA872CE2A}"/>
+              </a:ext>
+            </a:extLst>
+          </p:cNvPr>
+          <p:cNvPicPr>
+            <a:picLocks noChangeAspect="1"/>
+          </p:cNvPicPr>
+          <p:nvPr/>
+        </p:nvPicPr>
+        <p:blipFill>
+          <a:blip r:embed="rId5"/>
+          <a:stretch>
+            <a:fillRect/>
+          </a:stretch>
+        </p:blipFill>
+        <p:spPr>
+          <a:xfrm>
+            <a:off x="6835806" y="3677838"/>
+            <a:ext cx="1984666" cy="1517686"/>
           </a:xfrm>
           <a:prstGeom prst="rect">
             <a:avLst/>
@@ -17797,66 +17877,6 @@
           </a:p>
         </p:txBody>
       </p:sp>
-      <p:pic>
-        <p:nvPicPr>
-          <p:cNvPr id="3" name="Picture 2">
-            <a:extLst>
-              <a:ext uri="{FF2B5EF4-FFF2-40B4-BE49-F238E27FC236}">
-                <a16:creationId xmlns:a16="http://schemas.microsoft.com/office/drawing/2014/main" id="{4AD01AD5-6E1E-4F48-A7BE-BCC24C49EE1C}"/>
-              </a:ext>
-            </a:extLst>
-          </p:cNvPr>
-          <p:cNvPicPr>
-            <a:picLocks noChangeAspect="1"/>
-          </p:cNvPicPr>
-          <p:nvPr/>
-        </p:nvPicPr>
-        <p:blipFill>
-          <a:blip r:embed="rId4"/>
-          <a:stretch>
-            <a:fillRect/>
-          </a:stretch>
-        </p:blipFill>
-        <p:spPr>
-          <a:xfrm>
-            <a:off x="467544" y="985292"/>
-            <a:ext cx="6559104" cy="2293987"/>
-          </a:xfrm>
-          <a:prstGeom prst="rect">
-            <a:avLst/>
-          </a:prstGeom>
-        </p:spPr>
-      </p:pic>
-      <p:pic>
-        <p:nvPicPr>
-          <p:cNvPr id="4" name="Picture 3">
-            <a:extLst>
-              <a:ext uri="{FF2B5EF4-FFF2-40B4-BE49-F238E27FC236}">
-                <a16:creationId xmlns:a16="http://schemas.microsoft.com/office/drawing/2014/main" id="{7713E79C-44D0-4257-9B90-EC02CB03476B}"/>
-              </a:ext>
-            </a:extLst>
-          </p:cNvPr>
-          <p:cNvPicPr>
-            <a:picLocks noChangeAspect="1"/>
-          </p:cNvPicPr>
-          <p:nvPr/>
-        </p:nvPicPr>
-        <p:blipFill>
-          <a:blip r:embed="rId5"/>
-          <a:stretch>
-            <a:fillRect/>
-          </a:stretch>
-        </p:blipFill>
-        <p:spPr>
-          <a:xfrm>
-            <a:off x="107504" y="3645992"/>
-            <a:ext cx="2244192" cy="1742145"/>
-          </a:xfrm>
-          <a:prstGeom prst="rect">
-            <a:avLst/>
-          </a:prstGeom>
-        </p:spPr>
-      </p:pic>
       <p:sp>
         <p:nvSpPr>
           <p:cNvPr id="5" name="TextBox 4">
@@ -17923,42 +17943,12 @@
           <a:p>
             <a:r>
               <a:rPr lang="en-US" dirty="0"/>
-              <a:t>0.58 eV</a:t>
+              <a:t>0.60 eV</a:t>
             </a:r>
             <a:endParaRPr lang="en-GB" dirty="0"/>
           </a:p>
         </p:txBody>
       </p:sp>
-      <p:pic>
-        <p:nvPicPr>
-          <p:cNvPr id="9" name="Picture 8">
-            <a:extLst>
-              <a:ext uri="{FF2B5EF4-FFF2-40B4-BE49-F238E27FC236}">
-                <a16:creationId xmlns:a16="http://schemas.microsoft.com/office/drawing/2014/main" id="{17F4C77B-B300-4C9D-85B8-4B8A82C99548}"/>
-              </a:ext>
-            </a:extLst>
-          </p:cNvPr>
-          <p:cNvPicPr>
-            <a:picLocks noChangeAspect="1"/>
-          </p:cNvPicPr>
-          <p:nvPr/>
-        </p:nvPicPr>
-        <p:blipFill>
-          <a:blip r:embed="rId6"/>
-          <a:stretch>
-            <a:fillRect/>
-          </a:stretch>
-        </p:blipFill>
-        <p:spPr>
-          <a:xfrm>
-            <a:off x="2344208" y="3631264"/>
-            <a:ext cx="2227792" cy="1749484"/>
-          </a:xfrm>
-          <a:prstGeom prst="rect">
-            <a:avLst/>
-          </a:prstGeom>
-        </p:spPr>
-      </p:pic>
       <p:sp>
         <p:nvSpPr>
           <p:cNvPr id="10" name="TextBox 9">
@@ -17989,7 +17979,7 @@
           <a:p>
             <a:r>
               <a:rPr lang="en-US" dirty="0"/>
-              <a:t>0.54 eV</a:t>
+              <a:t>0.50 eV</a:t>
             </a:r>
             <a:endParaRPr lang="en-GB" dirty="0"/>
           </a:p>
@@ -18025,7 +18015,7 @@
           <a:p>
             <a:r>
               <a:rPr lang="en-US" dirty="0"/>
-              <a:t>0.38 eV</a:t>
+              <a:t>0.36 eV</a:t>
             </a:r>
             <a:endParaRPr lang="en-GB" dirty="0"/>
           </a:p>
@@ -18046,7 +18036,7 @@
         <p:spPr>
           <a:xfrm>
             <a:off x="7680591" y="4399764"/>
-            <a:ext cx="851515" cy="369332"/>
+            <a:ext cx="979755" cy="369332"/>
           </a:xfrm>
           <a:prstGeom prst="rect">
             <a:avLst/>
@@ -18061,7 +18051,7 @@
           <a:p>
             <a:r>
               <a:rPr lang="en-US" dirty="0"/>
-              <a:t>0.1 eV</a:t>
+              <a:t>0.06 eV</a:t>
             </a:r>
             <a:endParaRPr lang="en-GB" dirty="0"/>
           </a:p>
@@ -18583,6 +18573,36 @@
           </a:p>
         </p:txBody>
       </p:sp>
+      <p:pic>
+        <p:nvPicPr>
+          <p:cNvPr id="12" name="Picture 11">
+            <a:extLst>
+              <a:ext uri="{FF2B5EF4-FFF2-40B4-BE49-F238E27FC236}">
+                <a16:creationId xmlns:a16="http://schemas.microsoft.com/office/drawing/2014/main" id="{78C29D41-FE6D-427C-ABC2-603A25BE0B6C}"/>
+              </a:ext>
+            </a:extLst>
+          </p:cNvPr>
+          <p:cNvPicPr>
+            <a:picLocks noChangeAspect="1"/>
+          </p:cNvPicPr>
+          <p:nvPr/>
+        </p:nvPicPr>
+        <p:blipFill>
+          <a:blip r:embed="rId6"/>
+          <a:stretch>
+            <a:fillRect/>
+          </a:stretch>
+        </p:blipFill>
+        <p:spPr>
+          <a:xfrm>
+            <a:off x="114950" y="726244"/>
+            <a:ext cx="6664566" cy="2307676"/>
+          </a:xfrm>
+          <a:prstGeom prst="rect">
+            <a:avLst/>
+          </a:prstGeom>
+        </p:spPr>
+      </p:pic>
     </p:spTree>
     <p:extLst>
       <p:ext uri="{BB962C8B-B14F-4D97-AF65-F5344CB8AC3E}">
@@ -18688,36 +18708,6 @@
       </p:sp>
       <p:pic>
         <p:nvPicPr>
-          <p:cNvPr id="3" name="Picture 2">
-            <a:extLst>
-              <a:ext uri="{FF2B5EF4-FFF2-40B4-BE49-F238E27FC236}">
-                <a16:creationId xmlns:a16="http://schemas.microsoft.com/office/drawing/2014/main" id="{F9334BC5-4CDC-4B78-879D-29F466564A45}"/>
-              </a:ext>
-            </a:extLst>
-          </p:cNvPr>
-          <p:cNvPicPr>
-            <a:picLocks noChangeAspect="1"/>
-          </p:cNvPicPr>
-          <p:nvPr/>
-        </p:nvPicPr>
-        <p:blipFill>
-          <a:blip r:embed="rId2"/>
-          <a:stretch>
-            <a:fillRect/>
-          </a:stretch>
-        </p:blipFill>
-        <p:spPr>
-          <a:xfrm>
-            <a:off x="198001" y="1417340"/>
-            <a:ext cx="8820472" cy="1815428"/>
-          </a:xfrm>
-          <a:prstGeom prst="rect">
-            <a:avLst/>
-          </a:prstGeom>
-        </p:spPr>
-      </p:pic>
-      <p:pic>
-        <p:nvPicPr>
           <p:cNvPr id="4" name="Picture 3">
             <a:extLst>
               <a:ext uri="{FF2B5EF4-FFF2-40B4-BE49-F238E27FC236}">
@@ -18731,7 +18721,7 @@
           <p:nvPr/>
         </p:nvPicPr>
         <p:blipFill>
-          <a:blip r:embed="rId3"/>
+          <a:blip r:embed="rId2"/>
           <a:stretch>
             <a:fillRect/>
           </a:stretch>
@@ -18797,7 +18787,7 @@
           <p:nvPr/>
         </p:nvPicPr>
         <p:blipFill>
-          <a:blip r:embed="rId4"/>
+          <a:blip r:embed="rId3"/>
           <a:stretch>
             <a:fillRect/>
           </a:stretch>
@@ -18806,36 +18796,6 @@
           <a:xfrm>
             <a:off x="3499476" y="3454409"/>
             <a:ext cx="2404692" cy="1850088"/>
-          </a:xfrm>
-          <a:prstGeom prst="rect">
-            <a:avLst/>
-          </a:prstGeom>
-        </p:spPr>
-      </p:pic>
-      <p:pic>
-        <p:nvPicPr>
-          <p:cNvPr id="9" name="Picture 8">
-            <a:extLst>
-              <a:ext uri="{FF2B5EF4-FFF2-40B4-BE49-F238E27FC236}">
-                <a16:creationId xmlns:a16="http://schemas.microsoft.com/office/drawing/2014/main" id="{A35482A0-215E-4C1B-989B-304A1AA10851}"/>
-              </a:ext>
-            </a:extLst>
-          </p:cNvPr>
-          <p:cNvPicPr>
-            <a:picLocks noChangeAspect="1"/>
-          </p:cNvPicPr>
-          <p:nvPr/>
-        </p:nvPicPr>
-        <p:blipFill>
-          <a:blip r:embed="rId5"/>
-          <a:stretch>
-            <a:fillRect/>
-          </a:stretch>
-        </p:blipFill>
-        <p:spPr>
-          <a:xfrm>
-            <a:off x="6568513" y="3784437"/>
-            <a:ext cx="1822406" cy="1247481"/>
           </a:xfrm>
           <a:prstGeom prst="rect">
             <a:avLst/>
@@ -18892,8 +18852,8 @@
         </p:nvSpPr>
         <p:spPr>
           <a:xfrm>
-            <a:off x="6245491" y="5048309"/>
-            <a:ext cx="2401619" cy="246221"/>
+            <a:off x="6084168" y="5161756"/>
+            <a:ext cx="2190023" cy="246221"/>
           </a:xfrm>
           <a:prstGeom prst="rect">
             <a:avLst/>
@@ -18908,7 +18868,7 @@
           <a:p>
             <a:r>
               <a:rPr lang="en-GB" sz="1000" dirty="0"/>
-              <a:t>---&gt; Integrated Flux : 1.25321e+13 </a:t>
+              <a:t>---&gt; Integrated Flux : 1.21e+13 </a:t>
             </a:r>
             <a:r>
               <a:rPr lang="en-GB" sz="1000" dirty="0" err="1"/>
@@ -18921,6 +18881,66 @@
           </a:p>
         </p:txBody>
       </p:sp>
+      <p:pic>
+        <p:nvPicPr>
+          <p:cNvPr id="12" name="Picture 11">
+            <a:extLst>
+              <a:ext uri="{FF2B5EF4-FFF2-40B4-BE49-F238E27FC236}">
+                <a16:creationId xmlns:a16="http://schemas.microsoft.com/office/drawing/2014/main" id="{A98D384B-52F0-44D4-8E58-2B4AF34D652A}"/>
+              </a:ext>
+            </a:extLst>
+          </p:cNvPr>
+          <p:cNvPicPr>
+            <a:picLocks noChangeAspect="1"/>
+          </p:cNvPicPr>
+          <p:nvPr/>
+        </p:nvPicPr>
+        <p:blipFill>
+          <a:blip r:embed="rId4"/>
+          <a:stretch>
+            <a:fillRect/>
+          </a:stretch>
+        </p:blipFill>
+        <p:spPr>
+          <a:xfrm>
+            <a:off x="-21152" y="936846"/>
+            <a:ext cx="8800279" cy="1654920"/>
+          </a:xfrm>
+          <a:prstGeom prst="rect">
+            <a:avLst/>
+          </a:prstGeom>
+        </p:spPr>
+      </p:pic>
+      <p:pic>
+        <p:nvPicPr>
+          <p:cNvPr id="13" name="Picture 12">
+            <a:extLst>
+              <a:ext uri="{FF2B5EF4-FFF2-40B4-BE49-F238E27FC236}">
+                <a16:creationId xmlns:a16="http://schemas.microsoft.com/office/drawing/2014/main" id="{846290F9-FD37-4F71-B3C0-4C9C6A59F6D4}"/>
+              </a:ext>
+            </a:extLst>
+          </p:cNvPr>
+          <p:cNvPicPr>
+            <a:picLocks noChangeAspect="1"/>
+          </p:cNvPicPr>
+          <p:nvPr/>
+        </p:nvPicPr>
+        <p:blipFill>
+          <a:blip r:embed="rId5"/>
+          <a:stretch>
+            <a:fillRect/>
+          </a:stretch>
+        </p:blipFill>
+        <p:spPr>
+          <a:xfrm>
+            <a:off x="6204416" y="3454409"/>
+            <a:ext cx="2272172" cy="1671704"/>
+          </a:xfrm>
+          <a:prstGeom prst="rect">
+            <a:avLst/>
+          </a:prstGeom>
+        </p:spPr>
+      </p:pic>
     </p:spTree>
     <p:extLst>
       <p:ext uri="{BB962C8B-B14F-4D97-AF65-F5344CB8AC3E}">

--- a/hercules2025_C_photon_transport.pptx
+++ b/hercules2025_C_photon_transport.pptx
@@ -5,7 +5,7 @@
     <p:sldMasterId id="2147483648" r:id="rId1"/>
   </p:sldMasterIdLst>
   <p:notesMasterIdLst>
-    <p:notesMasterId r:id="rId15"/>
+    <p:notesMasterId r:id="rId16"/>
   </p:notesMasterIdLst>
   <p:sldIdLst>
     <p:sldId id="262" r:id="rId2"/>
@@ -21,6 +21,7 @@
     <p:sldId id="544" r:id="rId12"/>
     <p:sldId id="545" r:id="rId13"/>
     <p:sldId id="543" r:id="rId14"/>
+    <p:sldId id="548" r:id="rId15"/>
   </p:sldIdLst>
   <p:sldSz cx="9144000" cy="5715000" type="screen16x10"/>
   <p:notesSz cx="6858000" cy="9144000"/>
@@ -246,7 +247,7 @@
             <a:fld id="{D680E798-53FF-4C51-A981-953463752515}" type="datetimeFigureOut">
               <a:rPr lang="fr-FR" smtClean="0"/>
               <a:pPr/>
-              <a:t>11/03/2025</a:t>
+              <a:t>20/03/2025</a:t>
             </a:fld>
             <a:endParaRPr lang="fr-FR"/>
           </a:p>
@@ -5335,7 +5336,7 @@
           <a:graphicData uri="http://schemas.openxmlformats.org/presentationml/2006/ole">
             <mc:AlternateContent xmlns:mc="http://schemas.openxmlformats.org/markup-compatibility/2006">
               <mc:Choice xmlns:v="urn:schemas-microsoft-com:vml" Requires="v">
-                <p:oleObj spid="_x0000_s1107" name="Equation" r:id="rId4" imgW="1332921" imgH="444307" progId="">
+                <p:oleObj spid="_x0000_s1128" name="Equation" r:id="rId4" imgW="1332921" imgH="444307" progId="">
                   <p:embed/>
                 </p:oleObj>
               </mc:Choice>
@@ -5442,7 +5443,7 @@
           <a:graphicData uri="http://schemas.openxmlformats.org/presentationml/2006/ole">
             <mc:AlternateContent xmlns:mc="http://schemas.openxmlformats.org/markup-compatibility/2006">
               <mc:Choice xmlns:v="urn:schemas-microsoft-com:vml" Requires="v">
-                <p:oleObj spid="_x0000_s1108" name="Equation" r:id="rId6" imgW="1574800" imgH="444500" progId="">
+                <p:oleObj spid="_x0000_s1129" name="Equation" r:id="rId6" imgW="1574800" imgH="444500" progId="">
                   <p:embed/>
                 </p:oleObj>
               </mc:Choice>
@@ -5549,7 +5550,7 @@
           <a:graphicData uri="http://schemas.openxmlformats.org/presentationml/2006/ole">
             <mc:AlternateContent xmlns:mc="http://schemas.openxmlformats.org/markup-compatibility/2006">
               <mc:Choice xmlns:v="urn:schemas-microsoft-com:vml" Requires="v">
-                <p:oleObj spid="_x0000_s1109" name="Equation" r:id="rId8" imgW="1244600" imgH="393700" progId="">
+                <p:oleObj spid="_x0000_s1130" name="Equation" r:id="rId8" imgW="1244600" imgH="393700" progId="">
                   <p:embed/>
                 </p:oleObj>
               </mc:Choice>
@@ -5880,6 +5881,1192 @@
     <p:extLst>
       <p:ext uri="{BB962C8B-B14F-4D97-AF65-F5344CB8AC3E}">
         <p14:creationId xmlns:p14="http://schemas.microsoft.com/office/powerpoint/2010/main" val="4209754338"/>
+      </p:ext>
+    </p:extLst>
+  </p:cSld>
+  <p:clrMapOvr>
+    <a:masterClrMapping/>
+  </p:clrMapOvr>
+</p:sld>
+</file>
+
+<file path=ppt/slides/slide14.xml><?xml version="1.0" encoding="utf-8"?>
+<p:sld xmlns:a="http://schemas.openxmlformats.org/drawingml/2006/main" xmlns:r="http://schemas.openxmlformats.org/officeDocument/2006/relationships" xmlns:p="http://schemas.openxmlformats.org/presentationml/2006/main">
+  <p:cSld>
+    <p:spTree>
+      <p:nvGrpSpPr>
+        <p:cNvPr id="1" name=""/>
+        <p:cNvGrpSpPr/>
+        <p:nvPr/>
+      </p:nvGrpSpPr>
+      <p:grpSpPr>
+        <a:xfrm>
+          <a:off x="0" y="0"/>
+          <a:ext cx="0" cy="0"/>
+          <a:chOff x="0" y="0"/>
+          <a:chExt cx="0" cy="0"/>
+        </a:xfrm>
+      </p:grpSpPr>
+      <p:sp>
+        <p:nvSpPr>
+          <p:cNvPr id="2" name="Title 1"/>
+          <p:cNvSpPr>
+            <a:spLocks noGrp="1"/>
+          </p:cNvSpPr>
+          <p:nvPr>
+            <p:ph type="title"/>
+          </p:nvPr>
+        </p:nvSpPr>
+        <p:spPr/>
+        <p:txBody>
+          <a:bodyPr/>
+          <a:lstStyle/>
+          <a:p>
+            <a:r>
+              <a:rPr lang="en-US" sz="2400" cap="none" dirty="0"/>
+              <a:t>Du Mond diagrams </a:t>
+            </a:r>
+            <a:endParaRPr lang="en-GB" sz="2400" cap="none" dirty="0"/>
+          </a:p>
+        </p:txBody>
+      </p:sp>
+      <p:sp>
+        <p:nvSpPr>
+          <p:cNvPr id="6" name="Slide Number Placeholder 5"/>
+          <p:cNvSpPr>
+            <a:spLocks noGrp="1"/>
+          </p:cNvSpPr>
+          <p:nvPr>
+            <p:ph type="sldNum" sz="quarter" idx="15"/>
+          </p:nvPr>
+        </p:nvSpPr>
+        <p:spPr/>
+        <p:txBody>
+          <a:bodyPr/>
+          <a:lstStyle/>
+          <a:p>
+            <a:r>
+              <a:rPr lang="en-US" noProof="0"/>
+              <a:t>Page </a:t>
+            </a:r>
+            <a:fld id="{733122C9-A0B9-462F-8757-0847AD287B63}" type="slidenum">
+              <a:rPr lang="en-US" noProof="0" smtClean="0"/>
+              <a:pPr/>
+              <a:t>14</a:t>
+            </a:fld>
+            <a:endParaRPr lang="en-US" noProof="0"/>
+          </a:p>
+        </p:txBody>
+      </p:sp>
+      <p:sp>
+        <p:nvSpPr>
+          <p:cNvPr id="7" name="Footer Placeholder 6"/>
+          <p:cNvSpPr>
+            <a:spLocks noGrp="1"/>
+          </p:cNvSpPr>
+          <p:nvPr>
+            <p:ph type="ftr" sz="quarter" idx="16"/>
+          </p:nvPr>
+        </p:nvSpPr>
+        <p:spPr/>
+        <p:txBody>
+          <a:bodyPr/>
+          <a:lstStyle/>
+          <a:p>
+            <a:r>
+              <a:rPr lang="en-US" noProof="0"/>
+              <a:t>OASYS-Photon transport | HERCULES2025</a:t>
+            </a:r>
+          </a:p>
+        </p:txBody>
+      </p:sp>
+      <p:sp>
+        <p:nvSpPr>
+          <p:cNvPr id="18" name="Rectangle 17">
+            <a:extLst>
+              <a:ext uri="{FF2B5EF4-FFF2-40B4-BE49-F238E27FC236}">
+                <a16:creationId xmlns:a16="http://schemas.microsoft.com/office/drawing/2014/main" id="{11DE2D24-1829-42D5-BEEF-7597F589CE28}"/>
+              </a:ext>
+            </a:extLst>
+          </p:cNvPr>
+          <p:cNvSpPr/>
+          <p:nvPr/>
+        </p:nvSpPr>
+        <p:spPr>
+          <a:xfrm rot="1565813">
+            <a:off x="4994170" y="1432698"/>
+            <a:ext cx="864096" cy="144016"/>
+          </a:xfrm>
+          <a:prstGeom prst="rect">
+            <a:avLst/>
+          </a:prstGeom>
+          <a:ln>
+            <a:noFill/>
+          </a:ln>
+        </p:spPr>
+        <p:style>
+          <a:lnRef idx="2">
+            <a:schemeClr val="accent1">
+              <a:shade val="50000"/>
+            </a:schemeClr>
+          </a:lnRef>
+          <a:fillRef idx="1">
+            <a:schemeClr val="accent1"/>
+          </a:fillRef>
+          <a:effectRef idx="0">
+            <a:schemeClr val="accent1"/>
+          </a:effectRef>
+          <a:fontRef idx="minor">
+            <a:schemeClr val="lt1"/>
+          </a:fontRef>
+        </p:style>
+        <p:txBody>
+          <a:bodyPr rtlCol="0" anchor="ctr"/>
+          <a:lstStyle/>
+          <a:p>
+            <a:pPr algn="ctr"/>
+            <a:endParaRPr lang="en-GB"/>
+          </a:p>
+        </p:txBody>
+      </p:sp>
+      <p:sp>
+        <p:nvSpPr>
+          <p:cNvPr id="19" name="Rectangle 18">
+            <a:extLst>
+              <a:ext uri="{FF2B5EF4-FFF2-40B4-BE49-F238E27FC236}">
+                <a16:creationId xmlns:a16="http://schemas.microsoft.com/office/drawing/2014/main" id="{63177995-1A0E-48FE-A4DA-E6F8E5FF9499}"/>
+              </a:ext>
+            </a:extLst>
+          </p:cNvPr>
+          <p:cNvSpPr/>
+          <p:nvPr/>
+        </p:nvSpPr>
+        <p:spPr>
+          <a:xfrm rot="19722871">
+            <a:off x="6058738" y="1420570"/>
+            <a:ext cx="864096" cy="144016"/>
+          </a:xfrm>
+          <a:prstGeom prst="rect">
+            <a:avLst/>
+          </a:prstGeom>
+          <a:ln>
+            <a:noFill/>
+          </a:ln>
+        </p:spPr>
+        <p:style>
+          <a:lnRef idx="2">
+            <a:schemeClr val="accent1">
+              <a:shade val="50000"/>
+            </a:schemeClr>
+          </a:lnRef>
+          <a:fillRef idx="1">
+            <a:schemeClr val="accent1"/>
+          </a:fillRef>
+          <a:effectRef idx="0">
+            <a:schemeClr val="accent1"/>
+          </a:effectRef>
+          <a:fontRef idx="minor">
+            <a:schemeClr val="lt1"/>
+          </a:fontRef>
+        </p:style>
+        <p:txBody>
+          <a:bodyPr rtlCol="0" anchor="ctr"/>
+          <a:lstStyle/>
+          <a:p>
+            <a:pPr algn="ctr"/>
+            <a:endParaRPr lang="en-GB"/>
+          </a:p>
+        </p:txBody>
+      </p:sp>
+      <p:cxnSp>
+        <p:nvCxnSpPr>
+          <p:cNvPr id="26" name="Straight Arrow Connector 25">
+            <a:extLst>
+              <a:ext uri="{FF2B5EF4-FFF2-40B4-BE49-F238E27FC236}">
+                <a16:creationId xmlns:a16="http://schemas.microsoft.com/office/drawing/2014/main" id="{64868FF6-14A1-4427-AAE2-42A2FA4E4887}"/>
+              </a:ext>
+            </a:extLst>
+          </p:cNvPr>
+          <p:cNvCxnSpPr>
+            <a:cxnSpLocks/>
+            <a:endCxn id="18" idx="0"/>
+          </p:cNvCxnSpPr>
+          <p:nvPr/>
+        </p:nvCxnSpPr>
+        <p:spPr>
+          <a:xfrm>
+            <a:off x="5203625" y="650456"/>
+            <a:ext cx="254269" cy="789583"/>
+          </a:xfrm>
+          <a:prstGeom prst="straightConnector1">
+            <a:avLst/>
+          </a:prstGeom>
+          <a:ln>
+            <a:tailEnd type="triangle"/>
+          </a:ln>
+        </p:spPr>
+        <p:style>
+          <a:lnRef idx="1">
+            <a:schemeClr val="accent1"/>
+          </a:lnRef>
+          <a:fillRef idx="0">
+            <a:schemeClr val="accent1"/>
+          </a:fillRef>
+          <a:effectRef idx="0">
+            <a:schemeClr val="accent1"/>
+          </a:effectRef>
+          <a:fontRef idx="minor">
+            <a:schemeClr val="tx1"/>
+          </a:fontRef>
+        </p:style>
+      </p:cxnSp>
+      <p:cxnSp>
+        <p:nvCxnSpPr>
+          <p:cNvPr id="27" name="Straight Arrow Connector 26">
+            <a:extLst>
+              <a:ext uri="{FF2B5EF4-FFF2-40B4-BE49-F238E27FC236}">
+                <a16:creationId xmlns:a16="http://schemas.microsoft.com/office/drawing/2014/main" id="{AD360F69-AB92-42FE-9A05-AB6337E067F9}"/>
+              </a:ext>
+            </a:extLst>
+          </p:cNvPr>
+          <p:cNvCxnSpPr>
+            <a:cxnSpLocks/>
+            <a:stCxn id="18" idx="0"/>
+            <a:endCxn id="19" idx="0"/>
+          </p:cNvCxnSpPr>
+          <p:nvPr/>
+        </p:nvCxnSpPr>
+        <p:spPr>
+          <a:xfrm flipV="1">
+            <a:off x="5457894" y="1431041"/>
+            <a:ext cx="995498" cy="8998"/>
+          </a:xfrm>
+          <a:prstGeom prst="straightConnector1">
+            <a:avLst/>
+          </a:prstGeom>
+          <a:ln>
+            <a:tailEnd type="triangle"/>
+          </a:ln>
+        </p:spPr>
+        <p:style>
+          <a:lnRef idx="1">
+            <a:schemeClr val="accent1"/>
+          </a:lnRef>
+          <a:fillRef idx="0">
+            <a:schemeClr val="accent1"/>
+          </a:fillRef>
+          <a:effectRef idx="0">
+            <a:schemeClr val="accent1"/>
+          </a:effectRef>
+          <a:fontRef idx="minor">
+            <a:schemeClr val="tx1"/>
+          </a:fontRef>
+        </p:style>
+      </p:cxnSp>
+      <p:cxnSp>
+        <p:nvCxnSpPr>
+          <p:cNvPr id="30" name="Straight Arrow Connector 29">
+            <a:extLst>
+              <a:ext uri="{FF2B5EF4-FFF2-40B4-BE49-F238E27FC236}">
+                <a16:creationId xmlns:a16="http://schemas.microsoft.com/office/drawing/2014/main" id="{E43E2EDE-D871-443A-A9BE-40BF5E43CDA0}"/>
+              </a:ext>
+            </a:extLst>
+          </p:cNvPr>
+          <p:cNvCxnSpPr>
+            <a:cxnSpLocks/>
+          </p:cNvCxnSpPr>
+          <p:nvPr/>
+        </p:nvCxnSpPr>
+        <p:spPr>
+          <a:xfrm flipV="1">
+            <a:off x="6428422" y="687926"/>
+            <a:ext cx="183360" cy="741233"/>
+          </a:xfrm>
+          <a:prstGeom prst="straightConnector1">
+            <a:avLst/>
+          </a:prstGeom>
+          <a:ln>
+            <a:tailEnd type="triangle"/>
+          </a:ln>
+        </p:spPr>
+        <p:style>
+          <a:lnRef idx="1">
+            <a:schemeClr val="accent1"/>
+          </a:lnRef>
+          <a:fillRef idx="0">
+            <a:schemeClr val="accent1"/>
+          </a:fillRef>
+          <a:effectRef idx="0">
+            <a:schemeClr val="accent1"/>
+          </a:effectRef>
+          <a:fontRef idx="minor">
+            <a:schemeClr val="tx1"/>
+          </a:fontRef>
+        </p:style>
+      </p:cxnSp>
+      <p:sp>
+        <p:nvSpPr>
+          <p:cNvPr id="33" name="TextBox 32">
+            <a:extLst>
+              <a:ext uri="{FF2B5EF4-FFF2-40B4-BE49-F238E27FC236}">
+                <a16:creationId xmlns:a16="http://schemas.microsoft.com/office/drawing/2014/main" id="{7E9070FB-769F-40CF-954D-2761B13AA230}"/>
+              </a:ext>
+            </a:extLst>
+          </p:cNvPr>
+          <p:cNvSpPr txBox="1"/>
+          <p:nvPr/>
+        </p:nvSpPr>
+        <p:spPr>
+          <a:xfrm>
+            <a:off x="7098471" y="923305"/>
+            <a:ext cx="671979" cy="369332"/>
+          </a:xfrm>
+          <a:prstGeom prst="rect">
+            <a:avLst/>
+          </a:prstGeom>
+          <a:noFill/>
+        </p:spPr>
+        <p:txBody>
+          <a:bodyPr wrap="none" rtlCol="0">
+            <a:spAutoFit/>
+          </a:bodyPr>
+          <a:lstStyle/>
+          <a:p>
+            <a:r>
+              <a:rPr lang="en-US" dirty="0"/>
+              <a:t>(+,+)</a:t>
+            </a:r>
+            <a:endParaRPr lang="en-GB" dirty="0"/>
+          </a:p>
+        </p:txBody>
+      </p:sp>
+      <p:sp>
+        <p:nvSpPr>
+          <p:cNvPr id="31" name="Rectangle 30">
+            <a:extLst>
+              <a:ext uri="{FF2B5EF4-FFF2-40B4-BE49-F238E27FC236}">
+                <a16:creationId xmlns:a16="http://schemas.microsoft.com/office/drawing/2014/main" id="{EA918B8C-E6DB-4744-B81E-AE3619F282FE}"/>
+              </a:ext>
+            </a:extLst>
+          </p:cNvPr>
+          <p:cNvSpPr/>
+          <p:nvPr/>
+        </p:nvSpPr>
+        <p:spPr>
+          <a:xfrm rot="20174817">
+            <a:off x="1662585" y="1556319"/>
+            <a:ext cx="864096" cy="144016"/>
+          </a:xfrm>
+          <a:prstGeom prst="rect">
+            <a:avLst/>
+          </a:prstGeom>
+          <a:ln>
+            <a:noFill/>
+          </a:ln>
+        </p:spPr>
+        <p:style>
+          <a:lnRef idx="2">
+            <a:schemeClr val="accent1">
+              <a:shade val="50000"/>
+            </a:schemeClr>
+          </a:lnRef>
+          <a:fillRef idx="1">
+            <a:schemeClr val="accent1"/>
+          </a:fillRef>
+          <a:effectRef idx="0">
+            <a:schemeClr val="accent1"/>
+          </a:effectRef>
+          <a:fontRef idx="minor">
+            <a:schemeClr val="lt1"/>
+          </a:fontRef>
+        </p:style>
+        <p:txBody>
+          <a:bodyPr rtlCol="0" anchor="ctr"/>
+          <a:lstStyle/>
+          <a:p>
+            <a:pPr algn="ctr"/>
+            <a:endParaRPr lang="en-GB"/>
+          </a:p>
+        </p:txBody>
+      </p:sp>
+      <p:sp>
+        <p:nvSpPr>
+          <p:cNvPr id="34" name="Rectangle 33">
+            <a:extLst>
+              <a:ext uri="{FF2B5EF4-FFF2-40B4-BE49-F238E27FC236}">
+                <a16:creationId xmlns:a16="http://schemas.microsoft.com/office/drawing/2014/main" id="{B32A21E4-C6C7-46B8-9730-0D53F51F4DC8}"/>
+              </a:ext>
+            </a:extLst>
+          </p:cNvPr>
+          <p:cNvSpPr/>
+          <p:nvPr/>
+        </p:nvSpPr>
+        <p:spPr>
+          <a:xfrm rot="19999782">
+            <a:off x="2005223" y="927011"/>
+            <a:ext cx="864096" cy="141068"/>
+          </a:xfrm>
+          <a:prstGeom prst="rect">
+            <a:avLst/>
+          </a:prstGeom>
+          <a:ln>
+            <a:noFill/>
+          </a:ln>
+        </p:spPr>
+        <p:style>
+          <a:lnRef idx="2">
+            <a:schemeClr val="accent1">
+              <a:shade val="50000"/>
+            </a:schemeClr>
+          </a:lnRef>
+          <a:fillRef idx="1">
+            <a:schemeClr val="accent1"/>
+          </a:fillRef>
+          <a:effectRef idx="0">
+            <a:schemeClr val="accent1"/>
+          </a:effectRef>
+          <a:fontRef idx="minor">
+            <a:schemeClr val="lt1"/>
+          </a:fontRef>
+        </p:style>
+        <p:txBody>
+          <a:bodyPr rtlCol="0" anchor="ctr"/>
+          <a:lstStyle/>
+          <a:p>
+            <a:pPr algn="ctr"/>
+            <a:endParaRPr lang="en-GB"/>
+          </a:p>
+        </p:txBody>
+      </p:sp>
+      <p:cxnSp>
+        <p:nvCxnSpPr>
+          <p:cNvPr id="35" name="Straight Arrow Connector 34">
+            <a:extLst>
+              <a:ext uri="{FF2B5EF4-FFF2-40B4-BE49-F238E27FC236}">
+                <a16:creationId xmlns:a16="http://schemas.microsoft.com/office/drawing/2014/main" id="{8966B4EE-9082-4880-8DB3-52A50DFC7D33}"/>
+              </a:ext>
+            </a:extLst>
+          </p:cNvPr>
+          <p:cNvCxnSpPr>
+            <a:cxnSpLocks/>
+            <a:endCxn id="31" idx="0"/>
+          </p:cNvCxnSpPr>
+          <p:nvPr/>
+        </p:nvCxnSpPr>
+        <p:spPr>
+          <a:xfrm flipV="1">
+            <a:off x="228727" y="1562419"/>
+            <a:ext cx="1836902" cy="37012"/>
+          </a:xfrm>
+          <a:prstGeom prst="straightConnector1">
+            <a:avLst/>
+          </a:prstGeom>
+          <a:ln>
+            <a:tailEnd type="triangle"/>
+          </a:ln>
+        </p:spPr>
+        <p:style>
+          <a:lnRef idx="1">
+            <a:schemeClr val="accent1"/>
+          </a:lnRef>
+          <a:fillRef idx="0">
+            <a:schemeClr val="accent1"/>
+          </a:fillRef>
+          <a:effectRef idx="0">
+            <a:schemeClr val="accent1"/>
+          </a:effectRef>
+          <a:fontRef idx="minor">
+            <a:schemeClr val="tx1"/>
+          </a:fontRef>
+        </p:style>
+      </p:cxnSp>
+      <p:cxnSp>
+        <p:nvCxnSpPr>
+          <p:cNvPr id="36" name="Straight Arrow Connector 35">
+            <a:extLst>
+              <a:ext uri="{FF2B5EF4-FFF2-40B4-BE49-F238E27FC236}">
+                <a16:creationId xmlns:a16="http://schemas.microsoft.com/office/drawing/2014/main" id="{B9865ACE-1AAB-492D-875A-32B5160D3BB5}"/>
+              </a:ext>
+            </a:extLst>
+          </p:cNvPr>
+          <p:cNvCxnSpPr>
+            <a:cxnSpLocks/>
+            <a:stCxn id="31" idx="0"/>
+            <a:endCxn id="34" idx="2"/>
+          </p:cNvCxnSpPr>
+          <p:nvPr/>
+        </p:nvCxnSpPr>
+        <p:spPr>
+          <a:xfrm flipV="1">
+            <a:off x="2065629" y="1060574"/>
+            <a:ext cx="403302" cy="501845"/>
+          </a:xfrm>
+          <a:prstGeom prst="straightConnector1">
+            <a:avLst/>
+          </a:prstGeom>
+          <a:ln>
+            <a:tailEnd type="triangle"/>
+          </a:ln>
+        </p:spPr>
+        <p:style>
+          <a:lnRef idx="1">
+            <a:schemeClr val="accent1"/>
+          </a:lnRef>
+          <a:fillRef idx="0">
+            <a:schemeClr val="accent1"/>
+          </a:fillRef>
+          <a:effectRef idx="0">
+            <a:schemeClr val="accent1"/>
+          </a:effectRef>
+          <a:fontRef idx="minor">
+            <a:schemeClr val="tx1"/>
+          </a:fontRef>
+        </p:style>
+      </p:cxnSp>
+      <p:cxnSp>
+        <p:nvCxnSpPr>
+          <p:cNvPr id="37" name="Straight Arrow Connector 36">
+            <a:extLst>
+              <a:ext uri="{FF2B5EF4-FFF2-40B4-BE49-F238E27FC236}">
+                <a16:creationId xmlns:a16="http://schemas.microsoft.com/office/drawing/2014/main" id="{EAF0E6AF-EF75-4844-9325-275129311CB3}"/>
+              </a:ext>
+            </a:extLst>
+          </p:cNvPr>
+          <p:cNvCxnSpPr>
+            <a:cxnSpLocks/>
+          </p:cNvCxnSpPr>
+          <p:nvPr/>
+        </p:nvCxnSpPr>
+        <p:spPr>
+          <a:xfrm flipV="1">
+            <a:off x="2468931" y="973826"/>
+            <a:ext cx="1356608" cy="86748"/>
+          </a:xfrm>
+          <a:prstGeom prst="straightConnector1">
+            <a:avLst/>
+          </a:prstGeom>
+          <a:ln>
+            <a:tailEnd type="triangle"/>
+          </a:ln>
+        </p:spPr>
+        <p:style>
+          <a:lnRef idx="1">
+            <a:schemeClr val="accent1"/>
+          </a:lnRef>
+          <a:fillRef idx="0">
+            <a:schemeClr val="accent1"/>
+          </a:fillRef>
+          <a:effectRef idx="0">
+            <a:schemeClr val="accent1"/>
+          </a:effectRef>
+          <a:fontRef idx="minor">
+            <a:schemeClr val="tx1"/>
+          </a:fontRef>
+        </p:style>
+      </p:cxnSp>
+      <p:sp>
+        <p:nvSpPr>
+          <p:cNvPr id="38" name="TextBox 37">
+            <a:extLst>
+              <a:ext uri="{FF2B5EF4-FFF2-40B4-BE49-F238E27FC236}">
+                <a16:creationId xmlns:a16="http://schemas.microsoft.com/office/drawing/2014/main" id="{ED02DEBA-AC5D-4772-A91B-FFB9041A3A9A}"/>
+              </a:ext>
+            </a:extLst>
+          </p:cNvPr>
+          <p:cNvSpPr txBox="1"/>
+          <p:nvPr/>
+        </p:nvSpPr>
+        <p:spPr>
+          <a:xfrm>
+            <a:off x="2627784" y="1257907"/>
+            <a:ext cx="614271" cy="369332"/>
+          </a:xfrm>
+          <a:prstGeom prst="rect">
+            <a:avLst/>
+          </a:prstGeom>
+          <a:noFill/>
+        </p:spPr>
+        <p:txBody>
+          <a:bodyPr wrap="none" rtlCol="0">
+            <a:spAutoFit/>
+          </a:bodyPr>
+          <a:lstStyle/>
+          <a:p>
+            <a:r>
+              <a:rPr lang="en-US" dirty="0"/>
+              <a:t>(+,-)</a:t>
+            </a:r>
+            <a:endParaRPr lang="en-GB" dirty="0"/>
+          </a:p>
+        </p:txBody>
+      </p:sp>
+      <p:cxnSp>
+        <p:nvCxnSpPr>
+          <p:cNvPr id="39" name="Straight Arrow Connector 38">
+            <a:extLst>
+              <a:ext uri="{FF2B5EF4-FFF2-40B4-BE49-F238E27FC236}">
+                <a16:creationId xmlns:a16="http://schemas.microsoft.com/office/drawing/2014/main" id="{4CFBE3F9-2BF7-452E-A4FF-AA0AC20ADE2C}"/>
+              </a:ext>
+            </a:extLst>
+          </p:cNvPr>
+          <p:cNvCxnSpPr>
+            <a:cxnSpLocks/>
+          </p:cNvCxnSpPr>
+          <p:nvPr/>
+        </p:nvCxnSpPr>
+        <p:spPr>
+          <a:xfrm>
+            <a:off x="228727" y="1610733"/>
+            <a:ext cx="1498363" cy="104086"/>
+          </a:xfrm>
+          <a:prstGeom prst="straightConnector1">
+            <a:avLst/>
+          </a:prstGeom>
+          <a:ln>
+            <a:solidFill>
+              <a:schemeClr val="bg2"/>
+            </a:solidFill>
+            <a:tailEnd type="triangle"/>
+          </a:ln>
+        </p:spPr>
+        <p:style>
+          <a:lnRef idx="1">
+            <a:schemeClr val="accent1"/>
+          </a:lnRef>
+          <a:fillRef idx="0">
+            <a:schemeClr val="accent1"/>
+          </a:fillRef>
+          <a:effectRef idx="0">
+            <a:schemeClr val="accent1"/>
+          </a:effectRef>
+          <a:fontRef idx="minor">
+            <a:schemeClr val="tx1"/>
+          </a:fontRef>
+        </p:style>
+      </p:cxnSp>
+      <p:cxnSp>
+        <p:nvCxnSpPr>
+          <p:cNvPr id="40" name="Straight Arrow Connector 39">
+            <a:extLst>
+              <a:ext uri="{FF2B5EF4-FFF2-40B4-BE49-F238E27FC236}">
+                <a16:creationId xmlns:a16="http://schemas.microsoft.com/office/drawing/2014/main" id="{5DCBB435-BEDB-457B-B405-5CEC793A3DEC}"/>
+              </a:ext>
+            </a:extLst>
+          </p:cNvPr>
+          <p:cNvCxnSpPr>
+            <a:cxnSpLocks/>
+          </p:cNvCxnSpPr>
+          <p:nvPr/>
+        </p:nvCxnSpPr>
+        <p:spPr>
+          <a:xfrm flipV="1">
+            <a:off x="1727090" y="1212974"/>
+            <a:ext cx="403302" cy="501845"/>
+          </a:xfrm>
+          <a:prstGeom prst="straightConnector1">
+            <a:avLst/>
+          </a:prstGeom>
+          <a:ln>
+            <a:solidFill>
+              <a:schemeClr val="bg2"/>
+            </a:solidFill>
+            <a:tailEnd type="triangle"/>
+          </a:ln>
+        </p:spPr>
+        <p:style>
+          <a:lnRef idx="1">
+            <a:schemeClr val="accent1"/>
+          </a:lnRef>
+          <a:fillRef idx="0">
+            <a:schemeClr val="accent1"/>
+          </a:fillRef>
+          <a:effectRef idx="0">
+            <a:schemeClr val="accent1"/>
+          </a:effectRef>
+          <a:fontRef idx="minor">
+            <a:schemeClr val="tx1"/>
+          </a:fontRef>
+        </p:style>
+      </p:cxnSp>
+      <p:cxnSp>
+        <p:nvCxnSpPr>
+          <p:cNvPr id="41" name="Straight Arrow Connector 40">
+            <a:extLst>
+              <a:ext uri="{FF2B5EF4-FFF2-40B4-BE49-F238E27FC236}">
+                <a16:creationId xmlns:a16="http://schemas.microsoft.com/office/drawing/2014/main" id="{1DAF4E08-2105-4325-9F9B-8E68EDF8DD48}"/>
+              </a:ext>
+            </a:extLst>
+          </p:cNvPr>
+          <p:cNvCxnSpPr>
+            <a:cxnSpLocks/>
+          </p:cNvCxnSpPr>
+          <p:nvPr/>
+        </p:nvCxnSpPr>
+        <p:spPr>
+          <a:xfrm>
+            <a:off x="2130392" y="1212974"/>
+            <a:ext cx="1610165" cy="31650"/>
+          </a:xfrm>
+          <a:prstGeom prst="straightConnector1">
+            <a:avLst/>
+          </a:prstGeom>
+          <a:ln>
+            <a:solidFill>
+              <a:schemeClr val="bg2"/>
+            </a:solidFill>
+            <a:tailEnd type="triangle"/>
+          </a:ln>
+        </p:spPr>
+        <p:style>
+          <a:lnRef idx="1">
+            <a:schemeClr val="accent1"/>
+          </a:lnRef>
+          <a:fillRef idx="0">
+            <a:schemeClr val="accent1"/>
+          </a:fillRef>
+          <a:effectRef idx="0">
+            <a:schemeClr val="accent1"/>
+          </a:effectRef>
+          <a:fontRef idx="minor">
+            <a:schemeClr val="tx1"/>
+          </a:fontRef>
+        </p:style>
+      </p:cxnSp>
+      <p:cxnSp>
+        <p:nvCxnSpPr>
+          <p:cNvPr id="42" name="Straight Arrow Connector 41">
+            <a:extLst>
+              <a:ext uri="{FF2B5EF4-FFF2-40B4-BE49-F238E27FC236}">
+                <a16:creationId xmlns:a16="http://schemas.microsoft.com/office/drawing/2014/main" id="{B1983A28-9336-4B89-86ED-42C5D28089F9}"/>
+              </a:ext>
+            </a:extLst>
+          </p:cNvPr>
+          <p:cNvCxnSpPr>
+            <a:cxnSpLocks/>
+            <a:stCxn id="2" idx="2"/>
+          </p:cNvCxnSpPr>
+          <p:nvPr/>
+        </p:nvCxnSpPr>
+        <p:spPr>
+          <a:xfrm>
+            <a:off x="4845600" y="622800"/>
+            <a:ext cx="319331" cy="679878"/>
+          </a:xfrm>
+          <a:prstGeom prst="straightConnector1">
+            <a:avLst/>
+          </a:prstGeom>
+          <a:ln>
+            <a:solidFill>
+              <a:schemeClr val="accent5"/>
+            </a:solidFill>
+            <a:tailEnd type="triangle"/>
+          </a:ln>
+        </p:spPr>
+        <p:style>
+          <a:lnRef idx="1">
+            <a:schemeClr val="accent1"/>
+          </a:lnRef>
+          <a:fillRef idx="0">
+            <a:schemeClr val="accent1"/>
+          </a:fillRef>
+          <a:effectRef idx="0">
+            <a:schemeClr val="accent1"/>
+          </a:effectRef>
+          <a:fontRef idx="minor">
+            <a:schemeClr val="tx1"/>
+          </a:fontRef>
+        </p:style>
+      </p:cxnSp>
+      <p:cxnSp>
+        <p:nvCxnSpPr>
+          <p:cNvPr id="43" name="Straight Arrow Connector 42">
+            <a:extLst>
+              <a:ext uri="{FF2B5EF4-FFF2-40B4-BE49-F238E27FC236}">
+                <a16:creationId xmlns:a16="http://schemas.microsoft.com/office/drawing/2014/main" id="{1CD3B2FC-8954-4005-A416-7B36AE128FDF}"/>
+              </a:ext>
+            </a:extLst>
+          </p:cNvPr>
+          <p:cNvCxnSpPr>
+            <a:cxnSpLocks/>
+          </p:cNvCxnSpPr>
+          <p:nvPr/>
+        </p:nvCxnSpPr>
+        <p:spPr>
+          <a:xfrm flipV="1">
+            <a:off x="5164931" y="1292637"/>
+            <a:ext cx="1510140" cy="10041"/>
+          </a:xfrm>
+          <a:prstGeom prst="straightConnector1">
+            <a:avLst/>
+          </a:prstGeom>
+          <a:ln>
+            <a:solidFill>
+              <a:schemeClr val="accent6"/>
+            </a:solidFill>
+            <a:tailEnd type="triangle"/>
+          </a:ln>
+        </p:spPr>
+        <p:style>
+          <a:lnRef idx="1">
+            <a:schemeClr val="accent1"/>
+          </a:lnRef>
+          <a:fillRef idx="0">
+            <a:schemeClr val="accent1"/>
+          </a:fillRef>
+          <a:effectRef idx="0">
+            <a:schemeClr val="accent1"/>
+          </a:effectRef>
+          <a:fontRef idx="minor">
+            <a:schemeClr val="tx1"/>
+          </a:fontRef>
+        </p:style>
+      </p:cxnSp>
+      <p:cxnSp>
+        <p:nvCxnSpPr>
+          <p:cNvPr id="44" name="Straight Arrow Connector 43">
+            <a:extLst>
+              <a:ext uri="{FF2B5EF4-FFF2-40B4-BE49-F238E27FC236}">
+                <a16:creationId xmlns:a16="http://schemas.microsoft.com/office/drawing/2014/main" id="{B9931CA5-BEC5-4EFB-92C1-B2F2CCC88E8E}"/>
+              </a:ext>
+            </a:extLst>
+          </p:cNvPr>
+          <p:cNvCxnSpPr>
+            <a:cxnSpLocks/>
+          </p:cNvCxnSpPr>
+          <p:nvPr/>
+        </p:nvCxnSpPr>
+        <p:spPr>
+          <a:xfrm flipV="1">
+            <a:off x="6654566" y="600753"/>
+            <a:ext cx="327648" cy="691045"/>
+          </a:xfrm>
+          <a:prstGeom prst="straightConnector1">
+            <a:avLst/>
+          </a:prstGeom>
+          <a:ln>
+            <a:solidFill>
+              <a:schemeClr val="accent2"/>
+            </a:solidFill>
+            <a:tailEnd type="triangle"/>
+          </a:ln>
+        </p:spPr>
+        <p:style>
+          <a:lnRef idx="1">
+            <a:schemeClr val="accent1"/>
+          </a:lnRef>
+          <a:fillRef idx="0">
+            <a:schemeClr val="accent1"/>
+          </a:fillRef>
+          <a:effectRef idx="0">
+            <a:schemeClr val="accent1"/>
+          </a:effectRef>
+          <a:fontRef idx="minor">
+            <a:schemeClr val="tx1"/>
+          </a:fontRef>
+        </p:style>
+      </p:cxnSp>
+      <p:sp>
+        <p:nvSpPr>
+          <p:cNvPr id="56" name="TextBox 55">
+            <a:extLst>
+              <a:ext uri="{FF2B5EF4-FFF2-40B4-BE49-F238E27FC236}">
+                <a16:creationId xmlns:a16="http://schemas.microsoft.com/office/drawing/2014/main" id="{A494CE07-835E-47D5-9F01-C127E13AEBEE}"/>
+              </a:ext>
+            </a:extLst>
+          </p:cNvPr>
+          <p:cNvSpPr txBox="1"/>
+          <p:nvPr/>
+        </p:nvSpPr>
+        <p:spPr>
+          <a:xfrm>
+            <a:off x="974888" y="5114247"/>
+            <a:ext cx="6233373" cy="369332"/>
+          </a:xfrm>
+          <a:prstGeom prst="rect">
+            <a:avLst/>
+          </a:prstGeom>
+          <a:noFill/>
+        </p:spPr>
+        <p:txBody>
+          <a:bodyPr wrap="none" rtlCol="0">
+            <a:spAutoFit/>
+          </a:bodyPr>
+          <a:lstStyle/>
+          <a:p>
+            <a:r>
+              <a:rPr lang="en-US" dirty="0"/>
+              <a:t>	J. W. M., </a:t>
+            </a:r>
+            <a:r>
+              <a:rPr lang="en-US" dirty="0" err="1"/>
+              <a:t>DuMond</a:t>
+            </a:r>
+            <a:r>
+              <a:rPr lang="en-US" dirty="0"/>
+              <a:t>, </a:t>
+            </a:r>
+            <a:r>
+              <a:rPr lang="en-US" i="1" dirty="0"/>
+              <a:t>Phys. Rev.</a:t>
+            </a:r>
+            <a:r>
+              <a:rPr lang="en-US" dirty="0"/>
+              <a:t> </a:t>
+            </a:r>
+            <a:r>
+              <a:rPr lang="en-US" b="1" dirty="0"/>
+              <a:t>52</a:t>
+            </a:r>
+            <a:r>
+              <a:rPr lang="en-US" dirty="0"/>
+              <a:t>, 1937, 872-883. </a:t>
+            </a:r>
+            <a:endParaRPr lang="en-GB" dirty="0"/>
+          </a:p>
+        </p:txBody>
+      </p:sp>
+      <p:pic>
+        <p:nvPicPr>
+          <p:cNvPr id="57" name="Picture 56">
+            <a:extLst>
+              <a:ext uri="{FF2B5EF4-FFF2-40B4-BE49-F238E27FC236}">
+                <a16:creationId xmlns:a16="http://schemas.microsoft.com/office/drawing/2014/main" id="{0169DB2D-2D85-4D02-B9CD-84C62EF0B4FA}"/>
+              </a:ext>
+            </a:extLst>
+          </p:cNvPr>
+          <p:cNvPicPr>
+            <a:picLocks noChangeAspect="1"/>
+          </p:cNvPicPr>
+          <p:nvPr/>
+        </p:nvPicPr>
+        <p:blipFill>
+          <a:blip r:embed="rId2"/>
+          <a:stretch>
+            <a:fillRect/>
+          </a:stretch>
+        </p:blipFill>
+        <p:spPr>
+          <a:xfrm>
+            <a:off x="4845600" y="3581770"/>
+            <a:ext cx="2038783" cy="1053475"/>
+          </a:xfrm>
+          <a:prstGeom prst="rect">
+            <a:avLst/>
+          </a:prstGeom>
+        </p:spPr>
+      </p:pic>
+      <p:pic>
+        <p:nvPicPr>
+          <p:cNvPr id="58" name="Picture 57">
+            <a:extLst>
+              <a:ext uri="{FF2B5EF4-FFF2-40B4-BE49-F238E27FC236}">
+                <a16:creationId xmlns:a16="http://schemas.microsoft.com/office/drawing/2014/main" id="{82897B3F-FF64-4149-8913-B6E889A9B2FE}"/>
+              </a:ext>
+            </a:extLst>
+          </p:cNvPr>
+          <p:cNvPicPr>
+            <a:picLocks noChangeAspect="1"/>
+          </p:cNvPicPr>
+          <p:nvPr/>
+        </p:nvPicPr>
+        <p:blipFill>
+          <a:blip r:embed="rId3"/>
+          <a:stretch>
+            <a:fillRect/>
+          </a:stretch>
+        </p:blipFill>
+        <p:spPr>
+          <a:xfrm>
+            <a:off x="2240925" y="3214457"/>
+            <a:ext cx="1959003" cy="1638036"/>
+          </a:xfrm>
+          <a:prstGeom prst="rect">
+            <a:avLst/>
+          </a:prstGeom>
+        </p:spPr>
+      </p:pic>
+      <p:pic>
+        <p:nvPicPr>
+          <p:cNvPr id="59" name="Picture 58">
+            <a:extLst>
+              <a:ext uri="{FF2B5EF4-FFF2-40B4-BE49-F238E27FC236}">
+                <a16:creationId xmlns:a16="http://schemas.microsoft.com/office/drawing/2014/main" id="{871CFF35-CAAE-4FB2-BFAD-A5533A423572}"/>
+              </a:ext>
+            </a:extLst>
+          </p:cNvPr>
+          <p:cNvPicPr>
+            <a:picLocks noChangeAspect="1"/>
+          </p:cNvPicPr>
+          <p:nvPr/>
+        </p:nvPicPr>
+        <p:blipFill>
+          <a:blip r:embed="rId4"/>
+          <a:stretch>
+            <a:fillRect/>
+          </a:stretch>
+        </p:blipFill>
+        <p:spPr>
+          <a:xfrm>
+            <a:off x="6803104" y="3495281"/>
+            <a:ext cx="2256332" cy="1378869"/>
+          </a:xfrm>
+          <a:prstGeom prst="rect">
+            <a:avLst/>
+          </a:prstGeom>
+        </p:spPr>
+      </p:pic>
+      <p:sp>
+        <p:nvSpPr>
+          <p:cNvPr id="60" name="TextBox 59">
+            <a:extLst>
+              <a:ext uri="{FF2B5EF4-FFF2-40B4-BE49-F238E27FC236}">
+                <a16:creationId xmlns:a16="http://schemas.microsoft.com/office/drawing/2014/main" id="{DDD404F4-C0A0-4B36-9AAD-51F43466DBA6}"/>
+              </a:ext>
+            </a:extLst>
+          </p:cNvPr>
+          <p:cNvSpPr txBox="1"/>
+          <p:nvPr/>
+        </p:nvSpPr>
+        <p:spPr>
+          <a:xfrm>
+            <a:off x="512867" y="2034805"/>
+            <a:ext cx="3013328" cy="738664"/>
+          </a:xfrm>
+          <a:prstGeom prst="rect">
+            <a:avLst/>
+          </a:prstGeom>
+          <a:noFill/>
+        </p:spPr>
+        <p:txBody>
+          <a:bodyPr wrap="square" rtlCol="0">
+            <a:spAutoFit/>
+          </a:bodyPr>
+          <a:lstStyle/>
+          <a:p>
+            <a:r>
+              <a:rPr lang="en-US" sz="1400" dirty="0">
+                <a:solidFill>
+                  <a:srgbClr val="FF0000"/>
+                </a:solidFill>
+              </a:rPr>
+              <a:t>All rays accepted by the first crystal are also accepted (same angle) at the second crystal</a:t>
+            </a:r>
+            <a:endParaRPr lang="en-GB" sz="1400" dirty="0">
+              <a:solidFill>
+                <a:srgbClr val="FF0000"/>
+              </a:solidFill>
+            </a:endParaRPr>
+          </a:p>
+        </p:txBody>
+      </p:sp>
+      <p:sp>
+        <p:nvSpPr>
+          <p:cNvPr id="61" name="TextBox 60">
+            <a:extLst>
+              <a:ext uri="{FF2B5EF4-FFF2-40B4-BE49-F238E27FC236}">
+                <a16:creationId xmlns:a16="http://schemas.microsoft.com/office/drawing/2014/main" id="{16BCC670-BDA5-4A56-9982-99360EBC1F4D}"/>
+              </a:ext>
+            </a:extLst>
+          </p:cNvPr>
+          <p:cNvSpPr txBox="1"/>
+          <p:nvPr/>
+        </p:nvSpPr>
+        <p:spPr>
+          <a:xfrm>
+            <a:off x="5105118" y="1969347"/>
+            <a:ext cx="3013328" cy="738664"/>
+          </a:xfrm>
+          <a:prstGeom prst="rect">
+            <a:avLst/>
+          </a:prstGeom>
+          <a:noFill/>
+        </p:spPr>
+        <p:txBody>
+          <a:bodyPr wrap="square" rtlCol="0">
+            <a:spAutoFit/>
+          </a:bodyPr>
+          <a:lstStyle/>
+          <a:p>
+            <a:r>
+              <a:rPr lang="en-US" sz="1400" dirty="0">
+                <a:solidFill>
+                  <a:srgbClr val="FF0000"/>
+                </a:solidFill>
+              </a:rPr>
+              <a:t>Out of axis rays on the first crystal are incident at different angles on the second crystal.</a:t>
+            </a:r>
+            <a:endParaRPr lang="en-GB" sz="1400" dirty="0">
+              <a:solidFill>
+                <a:srgbClr val="FF0000"/>
+              </a:solidFill>
+            </a:endParaRPr>
+          </a:p>
+        </p:txBody>
+      </p:sp>
+      <p:pic>
+        <p:nvPicPr>
+          <p:cNvPr id="29" name="Picture 4">
+            <a:extLst>
+              <a:ext uri="{FF2B5EF4-FFF2-40B4-BE49-F238E27FC236}">
+                <a16:creationId xmlns:a16="http://schemas.microsoft.com/office/drawing/2014/main" id="{CFE337D3-BF1D-4B12-A33C-BD7137744349}"/>
+              </a:ext>
+            </a:extLst>
+          </p:cNvPr>
+          <p:cNvPicPr>
+            <a:picLocks noChangeAspect="1" noChangeArrowheads="1"/>
+          </p:cNvPicPr>
+          <p:nvPr/>
+        </p:nvPicPr>
+        <p:blipFill>
+          <a:blip r:embed="rId5">
+            <a:extLst>
+              <a:ext uri="{28A0092B-C50C-407E-A947-70E740481C1C}">
+                <a14:useLocalDpi xmlns:a14="http://schemas.microsoft.com/office/drawing/2010/main" val="0"/>
+              </a:ext>
+            </a:extLst>
+          </a:blip>
+          <a:srcRect/>
+          <a:stretch>
+            <a:fillRect/>
+          </a:stretch>
+        </p:blipFill>
+        <p:spPr bwMode="auto">
+          <a:xfrm>
+            <a:off x="318907" y="3566453"/>
+            <a:ext cx="1935428" cy="984250"/>
+          </a:xfrm>
+          <a:prstGeom prst="rect">
+            <a:avLst/>
+          </a:prstGeom>
+          <a:noFill/>
+          <a:ln>
+            <a:noFill/>
+          </a:ln>
+          <a:extLst>
+            <a:ext uri="{909E8E84-426E-40dd-AFC4-6F175D3DCCD1}">
+              <a14:hiddenFill xmlns:a14="http://schemas.microsoft.com/office/drawing/2010/main" xmlns="">
+                <a:solidFill>
+                  <a:srgbClr val="FFFFFF"/>
+                </a:solidFill>
+              </a14:hiddenFill>
+            </a:ext>
+            <a:ext uri="{91240B29-F687-4f45-9708-019B960494DF}">
+              <a14:hiddenLine xmlns:a14="http://schemas.microsoft.com/office/drawing/2010/main" xmlns="" w="9525">
+                <a:solidFill>
+                  <a:srgbClr val="000000"/>
+                </a:solidFill>
+                <a:miter lim="800000"/>
+                <a:headEnd/>
+                <a:tailEnd/>
+              </a14:hiddenLine>
+            </a:ext>
+          </a:extLst>
+        </p:spPr>
+      </p:pic>
+    </p:spTree>
+    <p:extLst>
+      <p:ext uri="{BB962C8B-B14F-4D97-AF65-F5344CB8AC3E}">
+        <p14:creationId xmlns:p14="http://schemas.microsoft.com/office/powerpoint/2010/main" val="2067451917"/>
       </p:ext>
     </p:extLst>
   </p:cSld>
@@ -7898,7 +9085,7 @@
             <a:graphicData uri="http://schemas.openxmlformats.org/presentationml/2006/ole">
               <mc:AlternateContent xmlns:mc="http://schemas.openxmlformats.org/markup-compatibility/2006">
                 <mc:Choice xmlns:v="urn:schemas-microsoft-com:vml" Requires="v">
-                  <p:oleObj spid="_x0000_s2084" name="Equation" r:id="rId4" imgW="152280" imgH="139680" progId="Equation.DSMT4">
+                  <p:oleObj spid="_x0000_s2098" name="Equation" r:id="rId4" imgW="152280" imgH="139680" progId="Equation.DSMT4">
                     <p:embed/>
                   </p:oleObj>
                 </mc:Choice>
@@ -10529,7 +11716,7 @@
             <a:graphicData uri="http://schemas.openxmlformats.org/presentationml/2006/ole">
               <mc:AlternateContent xmlns:mc="http://schemas.openxmlformats.org/markup-compatibility/2006">
                 <mc:Choice xmlns:v="urn:schemas-microsoft-com:vml" Requires="v">
-                  <p:oleObj spid="_x0000_s2085" name="Equation" r:id="rId6" imgW="152280" imgH="228600" progId="Equation.DSMT4">
+                  <p:oleObj spid="_x0000_s2099" name="Equation" r:id="rId6" imgW="152280" imgH="228600" progId="Equation.DSMT4">
                     <p:embed/>
                   </p:oleObj>
                 </mc:Choice>
@@ -17654,6 +18841,36 @@
           </a:prstGeom>
         </p:spPr>
       </p:pic>
+      <p:pic>
+        <p:nvPicPr>
+          <p:cNvPr id="3" name="Picture 2">
+            <a:extLst>
+              <a:ext uri="{FF2B5EF4-FFF2-40B4-BE49-F238E27FC236}">
+                <a16:creationId xmlns:a16="http://schemas.microsoft.com/office/drawing/2014/main" id="{2366ABF1-BC0D-4BE2-9EB8-31CF47E72C2C}"/>
+              </a:ext>
+            </a:extLst>
+          </p:cNvPr>
+          <p:cNvPicPr>
+            <a:picLocks noChangeAspect="1"/>
+          </p:cNvPicPr>
+          <p:nvPr/>
+        </p:nvPicPr>
+        <p:blipFill>
+          <a:blip r:embed="rId5"/>
+          <a:stretch>
+            <a:fillRect/>
+          </a:stretch>
+        </p:blipFill>
+        <p:spPr>
+          <a:xfrm>
+            <a:off x="1479053" y="697260"/>
+            <a:ext cx="2517312" cy="1354044"/>
+          </a:xfrm>
+          <a:prstGeom prst="rect">
+            <a:avLst/>
+          </a:prstGeom>
+        </p:spPr>
+      </p:pic>
     </p:spTree>
     <p:extLst>
       <p:ext uri="{BB962C8B-B14F-4D97-AF65-F5344CB8AC3E}">
